--- a/presentation/Presentation epcf.pptx
+++ b/presentation/Presentation epcf.pptx
@@ -173,2316 +173,9 @@
 <file path=ppt/revisionInfo.xml><?xml version="1.0" encoding="utf-8"?>
 <p1510:revInfo xmlns:a="http://schemas.openxmlformats.org/drawingml/2006/main" xmlns:r="http://schemas.openxmlformats.org/officeDocument/2006/relationships" xmlns:p1510="http://schemas.microsoft.com/office/powerpoint/2015/10/main">
   <p1510:revLst>
-    <p1510:client id="{837A0EFE-727B-469C-A65E-5298C3FA34FC}" v="144" dt="2023-06-13T07:51:14.083"/>
+    <p1510:client id="{837A0EFE-727B-469C-A65E-5298C3FA34FC}" v="146" dt="2023-06-14T09:28:26.817"/>
   </p1510:revLst>
 </p1510:revInfo>
-</file>
-
-<file path=ppt/changesInfos/changesInfo1.xml><?xml version="1.0" encoding="utf-8"?>
-<pc:chgInfo xmlns:a="http://schemas.openxmlformats.org/drawingml/2006/main" xmlns:r="http://schemas.openxmlformats.org/officeDocument/2006/relationships" xmlns:ac="http://schemas.microsoft.com/office/drawing/2013/main/command" xmlns:pc="http://schemas.microsoft.com/office/powerpoint/2013/main/command">
-  <pc:docChgLst>
-    <pc:chgData name="Sylvain Torrenti" userId="90f9519b-062b-4284-92c0-6d241ed0369b" providerId="ADAL" clId="{837A0EFE-727B-469C-A65E-5298C3FA34FC}"/>
-    <pc:docChg chg="undo redo custSel addSld delSld modSld sldOrd">
-      <pc:chgData name="Sylvain Torrenti" userId="90f9519b-062b-4284-92c0-6d241ed0369b" providerId="ADAL" clId="{837A0EFE-727B-469C-A65E-5298C3FA34FC}" dt="2023-06-13T09:29:26.976" v="3978" actId="1076"/>
-      <pc:docMkLst>
-        <pc:docMk/>
-      </pc:docMkLst>
-      <pc:sldChg chg="addSp modSp mod modNotesTx">
-        <pc:chgData name="Sylvain Torrenti" userId="90f9519b-062b-4284-92c0-6d241ed0369b" providerId="ADAL" clId="{837A0EFE-727B-469C-A65E-5298C3FA34FC}" dt="2023-06-13T07:30:28.331" v="2456" actId="20577"/>
-        <pc:sldMkLst>
-          <pc:docMk/>
-          <pc:sldMk cId="3115499857" sldId="257"/>
-        </pc:sldMkLst>
-        <pc:spChg chg="add mod">
-          <ac:chgData name="Sylvain Torrenti" userId="90f9519b-062b-4284-92c0-6d241ed0369b" providerId="ADAL" clId="{837A0EFE-727B-469C-A65E-5298C3FA34FC}" dt="2023-06-12T13:00:40.713" v="1081" actId="20577"/>
-          <ac:spMkLst>
-            <pc:docMk/>
-            <pc:sldMk cId="3115499857" sldId="257"/>
-            <ac:spMk id="2" creationId="{2BAA3FB9-B037-67A9-EB48-5983AE70877D}"/>
-          </ac:spMkLst>
-        </pc:spChg>
-        <pc:spChg chg="add mod">
-          <ac:chgData name="Sylvain Torrenti" userId="90f9519b-062b-4284-92c0-6d241ed0369b" providerId="ADAL" clId="{837A0EFE-727B-469C-A65E-5298C3FA34FC}" dt="2023-06-13T07:30:28.331" v="2456" actId="20577"/>
-          <ac:spMkLst>
-            <pc:docMk/>
-            <pc:sldMk cId="3115499857" sldId="257"/>
-            <ac:spMk id="3" creationId="{6F1111F0-B326-FD3F-3BB3-0C1E464AD786}"/>
-          </ac:spMkLst>
-        </pc:spChg>
-      </pc:sldChg>
-      <pc:sldChg chg="addSp delSp modSp add mod modNotesTx">
-        <pc:chgData name="Sylvain Torrenti" userId="90f9519b-062b-4284-92c0-6d241ed0369b" providerId="ADAL" clId="{837A0EFE-727B-469C-A65E-5298C3FA34FC}" dt="2023-06-12T13:00:37.768" v="1080" actId="20577"/>
-        <pc:sldMkLst>
-          <pc:docMk/>
-          <pc:sldMk cId="295375432" sldId="258"/>
-        </pc:sldMkLst>
-        <pc:spChg chg="mod">
-          <ac:chgData name="Sylvain Torrenti" userId="90f9519b-062b-4284-92c0-6d241ed0369b" providerId="ADAL" clId="{837A0EFE-727B-469C-A65E-5298C3FA34FC}" dt="2023-06-12T13:00:37.768" v="1080" actId="20577"/>
-          <ac:spMkLst>
-            <pc:docMk/>
-            <pc:sldMk cId="295375432" sldId="258"/>
-            <ac:spMk id="2" creationId="{2BAA3FB9-B037-67A9-EB48-5983AE70877D}"/>
-          </ac:spMkLst>
-        </pc:spChg>
-        <pc:spChg chg="del">
-          <ac:chgData name="Sylvain Torrenti" userId="90f9519b-062b-4284-92c0-6d241ed0369b" providerId="ADAL" clId="{837A0EFE-727B-469C-A65E-5298C3FA34FC}" dt="2023-06-12T12:26:24.644" v="475" actId="478"/>
-          <ac:spMkLst>
-            <pc:docMk/>
-            <pc:sldMk cId="295375432" sldId="258"/>
-            <ac:spMk id="3" creationId="{6F1111F0-B326-FD3F-3BB3-0C1E464AD786}"/>
-          </ac:spMkLst>
-        </pc:spChg>
-        <pc:spChg chg="add mod">
-          <ac:chgData name="Sylvain Torrenti" userId="90f9519b-062b-4284-92c0-6d241ed0369b" providerId="ADAL" clId="{837A0EFE-727B-469C-A65E-5298C3FA34FC}" dt="2023-06-12T12:38:42.211" v="689" actId="1076"/>
-          <ac:spMkLst>
-            <pc:docMk/>
-            <pc:sldMk cId="295375432" sldId="258"/>
-            <ac:spMk id="6" creationId="{EEE519BA-4F7C-BCB4-F0C2-04500FB485E1}"/>
-          </ac:spMkLst>
-        </pc:spChg>
-        <pc:spChg chg="add mod">
-          <ac:chgData name="Sylvain Torrenti" userId="90f9519b-062b-4284-92c0-6d241ed0369b" providerId="ADAL" clId="{837A0EFE-727B-469C-A65E-5298C3FA34FC}" dt="2023-06-12T12:38:32.891" v="688" actId="1076"/>
-          <ac:spMkLst>
-            <pc:docMk/>
-            <pc:sldMk cId="295375432" sldId="258"/>
-            <ac:spMk id="7" creationId="{656D1A35-33DE-EA3A-C8B3-04D208FBD160}"/>
-          </ac:spMkLst>
-        </pc:spChg>
-      </pc:sldChg>
-      <pc:sldChg chg="addSp delSp modSp del mod">
-        <pc:chgData name="Sylvain Torrenti" userId="90f9519b-062b-4284-92c0-6d241ed0369b" providerId="ADAL" clId="{837A0EFE-727B-469C-A65E-5298C3FA34FC}" dt="2023-06-12T12:26:17.593" v="473" actId="47"/>
-        <pc:sldMkLst>
-          <pc:docMk/>
-          <pc:sldMk cId="2586033272" sldId="258"/>
-        </pc:sldMkLst>
-        <pc:spChg chg="add del mod">
-          <ac:chgData name="Sylvain Torrenti" userId="90f9519b-062b-4284-92c0-6d241ed0369b" providerId="ADAL" clId="{837A0EFE-727B-469C-A65E-5298C3FA34FC}" dt="2023-06-12T12:26:16.771" v="472" actId="478"/>
-          <ac:spMkLst>
-            <pc:docMk/>
-            <pc:sldMk cId="2586033272" sldId="258"/>
-            <ac:spMk id="2" creationId="{E124C1B3-CF4E-DE97-125B-7818E001265E}"/>
-          </ac:spMkLst>
-        </pc:spChg>
-      </pc:sldChg>
-      <pc:sldChg chg="addSp delSp modSp add mod modNotesTx">
-        <pc:chgData name="Sylvain Torrenti" userId="90f9519b-062b-4284-92c0-6d241ed0369b" providerId="ADAL" clId="{837A0EFE-727B-469C-A65E-5298C3FA34FC}" dt="2023-06-13T09:28:12.839" v="3972" actId="1076"/>
-        <pc:sldMkLst>
-          <pc:docMk/>
-          <pc:sldMk cId="1363234253" sldId="259"/>
-        </pc:sldMkLst>
-        <pc:spChg chg="mod">
-          <ac:chgData name="Sylvain Torrenti" userId="90f9519b-062b-4284-92c0-6d241ed0369b" providerId="ADAL" clId="{837A0EFE-727B-469C-A65E-5298C3FA34FC}" dt="2023-06-12T13:00:34.826" v="1079" actId="20577"/>
-          <ac:spMkLst>
-            <pc:docMk/>
-            <pc:sldMk cId="1363234253" sldId="259"/>
-            <ac:spMk id="2" creationId="{2BAA3FB9-B037-67A9-EB48-5983AE70877D}"/>
-          </ac:spMkLst>
-        </pc:spChg>
-        <pc:spChg chg="del">
-          <ac:chgData name="Sylvain Torrenti" userId="90f9519b-062b-4284-92c0-6d241ed0369b" providerId="ADAL" clId="{837A0EFE-727B-469C-A65E-5298C3FA34FC}" dt="2023-06-12T12:29:00.321" v="633" actId="478"/>
-          <ac:spMkLst>
-            <pc:docMk/>
-            <pc:sldMk cId="1363234253" sldId="259"/>
-            <ac:spMk id="6" creationId="{EEE519BA-4F7C-BCB4-F0C2-04500FB485E1}"/>
-          </ac:spMkLst>
-        </pc:spChg>
-        <pc:spChg chg="add mod">
-          <ac:chgData name="Sylvain Torrenti" userId="90f9519b-062b-4284-92c0-6d241ed0369b" providerId="ADAL" clId="{837A0EFE-727B-469C-A65E-5298C3FA34FC}" dt="2023-06-12T12:43:01.265" v="783" actId="1076"/>
-          <ac:spMkLst>
-            <pc:docMk/>
-            <pc:sldMk cId="1363234253" sldId="259"/>
-            <ac:spMk id="8" creationId="{B30D1158-0176-68AF-2F1E-3C29C185EE31}"/>
-          </ac:spMkLst>
-        </pc:spChg>
-        <pc:spChg chg="add mod">
-          <ac:chgData name="Sylvain Torrenti" userId="90f9519b-062b-4284-92c0-6d241ed0369b" providerId="ADAL" clId="{837A0EFE-727B-469C-A65E-5298C3FA34FC}" dt="2023-06-12T12:43:30.757" v="816" actId="1076"/>
-          <ac:spMkLst>
-            <pc:docMk/>
-            <pc:sldMk cId="1363234253" sldId="259"/>
-            <ac:spMk id="9" creationId="{27100560-44A3-3CAC-3335-986312DD1F8C}"/>
-          </ac:spMkLst>
-        </pc:spChg>
-        <pc:picChg chg="add mod">
-          <ac:chgData name="Sylvain Torrenti" userId="90f9519b-062b-4284-92c0-6d241ed0369b" providerId="ADAL" clId="{837A0EFE-727B-469C-A65E-5298C3FA34FC}" dt="2023-06-13T09:28:12.839" v="3972" actId="1076"/>
-          <ac:picMkLst>
-            <pc:docMk/>
-            <pc:sldMk cId="1363234253" sldId="259"/>
-            <ac:picMk id="7" creationId="{CA2D1BBC-53F7-3B4F-D795-279E20F8C80E}"/>
-          </ac:picMkLst>
-        </pc:picChg>
-      </pc:sldChg>
-      <pc:sldChg chg="addSp delSp modSp add mod modNotesTx">
-        <pc:chgData name="Sylvain Torrenti" userId="90f9519b-062b-4284-92c0-6d241ed0369b" providerId="ADAL" clId="{837A0EFE-727B-469C-A65E-5298C3FA34FC}" dt="2023-06-13T09:28:38.120" v="3975" actId="20577"/>
-        <pc:sldMkLst>
-          <pc:docMk/>
-          <pc:sldMk cId="922816320" sldId="260"/>
-        </pc:sldMkLst>
-        <pc:spChg chg="mod">
-          <ac:chgData name="Sylvain Torrenti" userId="90f9519b-062b-4284-92c0-6d241ed0369b" providerId="ADAL" clId="{837A0EFE-727B-469C-A65E-5298C3FA34FC}" dt="2023-06-12T13:00:47.417" v="1082" actId="20577"/>
-          <ac:spMkLst>
-            <pc:docMk/>
-            <pc:sldMk cId="922816320" sldId="260"/>
-            <ac:spMk id="2" creationId="{2BAA3FB9-B037-67A9-EB48-5983AE70877D}"/>
-          </ac:spMkLst>
-        </pc:spChg>
-        <pc:spChg chg="add mod">
-          <ac:chgData name="Sylvain Torrenti" userId="90f9519b-062b-4284-92c0-6d241ed0369b" providerId="ADAL" clId="{837A0EFE-727B-469C-A65E-5298C3FA34FC}" dt="2023-06-12T12:45:34.422" v="878" actId="20577"/>
-          <ac:spMkLst>
-            <pc:docMk/>
-            <pc:sldMk cId="922816320" sldId="260"/>
-            <ac:spMk id="3" creationId="{E237BE4F-DE97-8FEB-CB4F-A5029AFC9274}"/>
-          </ac:spMkLst>
-        </pc:spChg>
-        <pc:spChg chg="del">
-          <ac:chgData name="Sylvain Torrenti" userId="90f9519b-062b-4284-92c0-6d241ed0369b" providerId="ADAL" clId="{837A0EFE-727B-469C-A65E-5298C3FA34FC}" dt="2023-06-12T12:29:03.538" v="634" actId="478"/>
-          <ac:spMkLst>
-            <pc:docMk/>
-            <pc:sldMk cId="922816320" sldId="260"/>
-            <ac:spMk id="6" creationId="{EEE519BA-4F7C-BCB4-F0C2-04500FB485E1}"/>
-          </ac:spMkLst>
-        </pc:spChg>
-        <pc:spChg chg="add del mod">
-          <ac:chgData name="Sylvain Torrenti" userId="90f9519b-062b-4284-92c0-6d241ed0369b" providerId="ADAL" clId="{837A0EFE-727B-469C-A65E-5298C3FA34FC}" dt="2023-06-12T12:45:30.737" v="874" actId="22"/>
-          <ac:spMkLst>
-            <pc:docMk/>
-            <pc:sldMk cId="922816320" sldId="260"/>
-            <ac:spMk id="8" creationId="{2BEB9B79-9ACC-A4DA-AC4B-755166212E02}"/>
-          </ac:spMkLst>
-        </pc:spChg>
-        <pc:spChg chg="add mod">
-          <ac:chgData name="Sylvain Torrenti" userId="90f9519b-062b-4284-92c0-6d241ed0369b" providerId="ADAL" clId="{837A0EFE-727B-469C-A65E-5298C3FA34FC}" dt="2023-06-13T09:28:38.120" v="3975" actId="20577"/>
-          <ac:spMkLst>
-            <pc:docMk/>
-            <pc:sldMk cId="922816320" sldId="260"/>
-            <ac:spMk id="9" creationId="{1F8ECDB0-1B09-C17F-8407-6A617BD3BECA}"/>
-          </ac:spMkLst>
-        </pc:spChg>
-        <pc:spChg chg="add mod">
-          <ac:chgData name="Sylvain Torrenti" userId="90f9519b-062b-4284-92c0-6d241ed0369b" providerId="ADAL" clId="{837A0EFE-727B-469C-A65E-5298C3FA34FC}" dt="2023-06-12T12:47:45.107" v="996" actId="1076"/>
-          <ac:spMkLst>
-            <pc:docMk/>
-            <pc:sldMk cId="922816320" sldId="260"/>
-            <ac:spMk id="10" creationId="{4BEBF512-E18D-BBAC-B5F9-C92D3D4423B3}"/>
-          </ac:spMkLst>
-        </pc:spChg>
-        <pc:picChg chg="add mod">
-          <ac:chgData name="Sylvain Torrenti" userId="90f9519b-062b-4284-92c0-6d241ed0369b" providerId="ADAL" clId="{837A0EFE-727B-469C-A65E-5298C3FA34FC}" dt="2023-06-13T09:28:32.183" v="3974" actId="1076"/>
-          <ac:picMkLst>
-            <pc:docMk/>
-            <pc:sldMk cId="922816320" sldId="260"/>
-            <ac:picMk id="12" creationId="{48C8B44A-6AF0-A9B4-4C7D-E8B3FA00FC71}"/>
-          </ac:picMkLst>
-        </pc:picChg>
-      </pc:sldChg>
-      <pc:sldChg chg="addSp delSp modSp add mod modNotesTx">
-        <pc:chgData name="Sylvain Torrenti" userId="90f9519b-062b-4284-92c0-6d241ed0369b" providerId="ADAL" clId="{837A0EFE-727B-469C-A65E-5298C3FA34FC}" dt="2023-06-13T09:07:36.578" v="3280" actId="20577"/>
-        <pc:sldMkLst>
-          <pc:docMk/>
-          <pc:sldMk cId="668458678" sldId="261"/>
-        </pc:sldMkLst>
-        <pc:spChg chg="mod">
-          <ac:chgData name="Sylvain Torrenti" userId="90f9519b-062b-4284-92c0-6d241ed0369b" providerId="ADAL" clId="{837A0EFE-727B-469C-A65E-5298C3FA34FC}" dt="2023-06-12T12:49:57.839" v="1023" actId="113"/>
-          <ac:spMkLst>
-            <pc:docMk/>
-            <pc:sldMk cId="668458678" sldId="261"/>
-            <ac:spMk id="2" creationId="{2BAA3FB9-B037-67A9-EB48-5983AE70877D}"/>
-          </ac:spMkLst>
-        </pc:spChg>
-        <pc:spChg chg="del">
-          <ac:chgData name="Sylvain Torrenti" userId="90f9519b-062b-4284-92c0-6d241ed0369b" providerId="ADAL" clId="{837A0EFE-727B-469C-A65E-5298C3FA34FC}" dt="2023-06-12T12:46:00.490" v="893" actId="478"/>
-          <ac:spMkLst>
-            <pc:docMk/>
-            <pc:sldMk cId="668458678" sldId="261"/>
-            <ac:spMk id="3" creationId="{E237BE4F-DE97-8FEB-CB4F-A5029AFC9274}"/>
-          </ac:spMkLst>
-        </pc:spChg>
-        <pc:spChg chg="add mod">
-          <ac:chgData name="Sylvain Torrenti" userId="90f9519b-062b-4284-92c0-6d241ed0369b" providerId="ADAL" clId="{837A0EFE-727B-469C-A65E-5298C3FA34FC}" dt="2023-06-12T12:50:52.321" v="1050" actId="1076"/>
-          <ac:spMkLst>
-            <pc:docMk/>
-            <pc:sldMk cId="668458678" sldId="261"/>
-            <ac:spMk id="6" creationId="{60F2BE10-59B2-0D70-DA48-D28676EF06A4}"/>
-          </ac:spMkLst>
-        </pc:spChg>
-        <pc:spChg chg="add del">
-          <ac:chgData name="Sylvain Torrenti" userId="90f9519b-062b-4284-92c0-6d241ed0369b" providerId="ADAL" clId="{837A0EFE-727B-469C-A65E-5298C3FA34FC}" dt="2023-06-12T12:59:35.567" v="1066" actId="22"/>
-          <ac:spMkLst>
-            <pc:docMk/>
-            <pc:sldMk cId="668458678" sldId="261"/>
-            <ac:spMk id="12" creationId="{D5ECCBDA-F87E-6BA3-0698-AEAD114C6C88}"/>
-          </ac:spMkLst>
-        </pc:spChg>
-        <pc:picChg chg="add del mod">
-          <ac:chgData name="Sylvain Torrenti" userId="90f9519b-062b-4284-92c0-6d241ed0369b" providerId="ADAL" clId="{837A0EFE-727B-469C-A65E-5298C3FA34FC}" dt="2023-06-12T12:51:39.961" v="1059" actId="478"/>
-          <ac:picMkLst>
-            <pc:docMk/>
-            <pc:sldMk cId="668458678" sldId="261"/>
-            <ac:picMk id="8" creationId="{C6A4756E-7319-5C89-E31D-70F0F2043232}"/>
-          </ac:picMkLst>
-        </pc:picChg>
-        <pc:picChg chg="add mod">
-          <ac:chgData name="Sylvain Torrenti" userId="90f9519b-062b-4284-92c0-6d241ed0369b" providerId="ADAL" clId="{837A0EFE-727B-469C-A65E-5298C3FA34FC}" dt="2023-06-12T12:54:07.232" v="1064" actId="1076"/>
-          <ac:picMkLst>
-            <pc:docMk/>
-            <pc:sldMk cId="668458678" sldId="261"/>
-            <ac:picMk id="10" creationId="{2F5DD081-04F0-9B07-DD8E-C693BEFE2BC1}"/>
-          </ac:picMkLst>
-        </pc:picChg>
-      </pc:sldChg>
-      <pc:sldChg chg="addSp delSp modSp add mod modNotesTx">
-        <pc:chgData name="Sylvain Torrenti" userId="90f9519b-062b-4284-92c0-6d241ed0369b" providerId="ADAL" clId="{837A0EFE-727B-469C-A65E-5298C3FA34FC}" dt="2023-06-13T09:08:10.540" v="3305" actId="2711"/>
-        <pc:sldMkLst>
-          <pc:docMk/>
-          <pc:sldMk cId="349306936" sldId="262"/>
-        </pc:sldMkLst>
-        <pc:spChg chg="mod">
-          <ac:chgData name="Sylvain Torrenti" userId="90f9519b-062b-4284-92c0-6d241ed0369b" providerId="ADAL" clId="{837A0EFE-727B-469C-A65E-5298C3FA34FC}" dt="2023-06-12T13:01:08.494" v="1085" actId="113"/>
-          <ac:spMkLst>
-            <pc:docMk/>
-            <pc:sldMk cId="349306936" sldId="262"/>
-            <ac:spMk id="2" creationId="{2BAA3FB9-B037-67A9-EB48-5983AE70877D}"/>
-          </ac:spMkLst>
-        </pc:spChg>
-        <pc:spChg chg="del">
-          <ac:chgData name="Sylvain Torrenti" userId="90f9519b-062b-4284-92c0-6d241ed0369b" providerId="ADAL" clId="{837A0EFE-727B-469C-A65E-5298C3FA34FC}" dt="2023-06-12T12:45:58.491" v="892" actId="478"/>
-          <ac:spMkLst>
-            <pc:docMk/>
-            <pc:sldMk cId="349306936" sldId="262"/>
-            <ac:spMk id="3" creationId="{E237BE4F-DE97-8FEB-CB4F-A5029AFC9274}"/>
-          </ac:spMkLst>
-        </pc:spChg>
-        <pc:spChg chg="add mod">
-          <ac:chgData name="Sylvain Torrenti" userId="90f9519b-062b-4284-92c0-6d241ed0369b" providerId="ADAL" clId="{837A0EFE-727B-469C-A65E-5298C3FA34FC}" dt="2023-06-12T13:06:09.627" v="1130" actId="115"/>
-          <ac:spMkLst>
-            <pc:docMk/>
-            <pc:sldMk cId="349306936" sldId="262"/>
-            <ac:spMk id="6" creationId="{749ADBEB-4357-E74C-DC29-3FC6C1C059D3}"/>
-          </ac:spMkLst>
-        </pc:spChg>
-        <pc:spChg chg="add mod">
-          <ac:chgData name="Sylvain Torrenti" userId="90f9519b-062b-4284-92c0-6d241ed0369b" providerId="ADAL" clId="{837A0EFE-727B-469C-A65E-5298C3FA34FC}" dt="2023-06-12T13:13:00.410" v="1194" actId="1076"/>
-          <ac:spMkLst>
-            <pc:docMk/>
-            <pc:sldMk cId="349306936" sldId="262"/>
-            <ac:spMk id="11" creationId="{1FD10640-D40B-6C22-7D53-45AC512F81C3}"/>
-          </ac:spMkLst>
-        </pc:spChg>
-        <pc:spChg chg="add mod">
-          <ac:chgData name="Sylvain Torrenti" userId="90f9519b-062b-4284-92c0-6d241ed0369b" providerId="ADAL" clId="{837A0EFE-727B-469C-A65E-5298C3FA34FC}" dt="2023-06-13T09:08:10.540" v="3305" actId="2711"/>
-          <ac:spMkLst>
-            <pc:docMk/>
-            <pc:sldMk cId="349306936" sldId="262"/>
-            <ac:spMk id="12" creationId="{F77F1F62-61E0-1CC8-B696-47CE086D8DAA}"/>
-          </ac:spMkLst>
-        </pc:spChg>
-        <pc:picChg chg="add del mod">
-          <ac:chgData name="Sylvain Torrenti" userId="90f9519b-062b-4284-92c0-6d241ed0369b" providerId="ADAL" clId="{837A0EFE-727B-469C-A65E-5298C3FA34FC}" dt="2023-06-12T13:11:36.739" v="1153" actId="478"/>
-          <ac:picMkLst>
-            <pc:docMk/>
-            <pc:sldMk cId="349306936" sldId="262"/>
-            <ac:picMk id="8" creationId="{1852A7D6-00FA-F1FA-2E29-6C70C2E7C09B}"/>
-          </ac:picMkLst>
-        </pc:picChg>
-        <pc:picChg chg="add mod">
-          <ac:chgData name="Sylvain Torrenti" userId="90f9519b-062b-4284-92c0-6d241ed0369b" providerId="ADAL" clId="{837A0EFE-727B-469C-A65E-5298C3FA34FC}" dt="2023-06-12T13:11:41.179" v="1154" actId="1076"/>
-          <ac:picMkLst>
-            <pc:docMk/>
-            <pc:sldMk cId="349306936" sldId="262"/>
-            <ac:picMk id="10" creationId="{3A6244BD-9B81-36DC-55B8-E918E4C33DE0}"/>
-          </ac:picMkLst>
-        </pc:picChg>
-      </pc:sldChg>
-      <pc:sldChg chg="addSp delSp modSp add mod modNotesTx">
-        <pc:chgData name="Sylvain Torrenti" userId="90f9519b-062b-4284-92c0-6d241ed0369b" providerId="ADAL" clId="{837A0EFE-727B-469C-A65E-5298C3FA34FC}" dt="2023-06-13T09:10:00.370" v="3392" actId="20577"/>
-        <pc:sldMkLst>
-          <pc:docMk/>
-          <pc:sldMk cId="2024705822" sldId="263"/>
-        </pc:sldMkLst>
-        <pc:spChg chg="mod">
-          <ac:chgData name="Sylvain Torrenti" userId="90f9519b-062b-4284-92c0-6d241ed0369b" providerId="ADAL" clId="{837A0EFE-727B-469C-A65E-5298C3FA34FC}" dt="2023-06-12T13:01:13.600" v="1086" actId="113"/>
-          <ac:spMkLst>
-            <pc:docMk/>
-            <pc:sldMk cId="2024705822" sldId="263"/>
-            <ac:spMk id="2" creationId="{2BAA3FB9-B037-67A9-EB48-5983AE70877D}"/>
-          </ac:spMkLst>
-        </pc:spChg>
-        <pc:spChg chg="del">
-          <ac:chgData name="Sylvain Torrenti" userId="90f9519b-062b-4284-92c0-6d241ed0369b" providerId="ADAL" clId="{837A0EFE-727B-469C-A65E-5298C3FA34FC}" dt="2023-06-12T12:45:55.066" v="891" actId="478"/>
-          <ac:spMkLst>
-            <pc:docMk/>
-            <pc:sldMk cId="2024705822" sldId="263"/>
-            <ac:spMk id="3" creationId="{E237BE4F-DE97-8FEB-CB4F-A5029AFC9274}"/>
-          </ac:spMkLst>
-        </pc:spChg>
-        <pc:spChg chg="add mod">
-          <ac:chgData name="Sylvain Torrenti" userId="90f9519b-062b-4284-92c0-6d241ed0369b" providerId="ADAL" clId="{837A0EFE-727B-469C-A65E-5298C3FA34FC}" dt="2023-06-12T13:10:42.084" v="1146" actId="1076"/>
-          <ac:spMkLst>
-            <pc:docMk/>
-            <pc:sldMk cId="2024705822" sldId="263"/>
-            <ac:spMk id="6" creationId="{A12976A9-8604-89D8-9307-4948E2D73D46}"/>
-          </ac:spMkLst>
-        </pc:spChg>
-        <pc:spChg chg="add mod">
-          <ac:chgData name="Sylvain Torrenti" userId="90f9519b-062b-4284-92c0-6d241ed0369b" providerId="ADAL" clId="{837A0EFE-727B-469C-A65E-5298C3FA34FC}" dt="2023-06-12T13:54:16.118" v="1382" actId="1076"/>
-          <ac:spMkLst>
-            <pc:docMk/>
-            <pc:sldMk cId="2024705822" sldId="263"/>
-            <ac:spMk id="9" creationId="{F27A14AB-BEFD-0F1A-602A-8520AA675C2B}"/>
-          </ac:spMkLst>
-        </pc:spChg>
-        <pc:spChg chg="add mod">
-          <ac:chgData name="Sylvain Torrenti" userId="90f9519b-062b-4284-92c0-6d241ed0369b" providerId="ADAL" clId="{837A0EFE-727B-469C-A65E-5298C3FA34FC}" dt="2023-06-12T13:54:37.941" v="1396" actId="1076"/>
-          <ac:spMkLst>
-            <pc:docMk/>
-            <pc:sldMk cId="2024705822" sldId="263"/>
-            <ac:spMk id="10" creationId="{55960403-4AE1-4112-CE57-0ED87E9F5860}"/>
-          </ac:spMkLst>
-        </pc:spChg>
-        <pc:spChg chg="add mod">
-          <ac:chgData name="Sylvain Torrenti" userId="90f9519b-062b-4284-92c0-6d241ed0369b" providerId="ADAL" clId="{837A0EFE-727B-469C-A65E-5298C3FA34FC}" dt="2023-06-12T13:55:13.233" v="1402" actId="1076"/>
-          <ac:spMkLst>
-            <pc:docMk/>
-            <pc:sldMk cId="2024705822" sldId="263"/>
-            <ac:spMk id="11" creationId="{86DD146B-4C39-E23B-1B18-BD2812568B12}"/>
-          </ac:spMkLst>
-        </pc:spChg>
-        <pc:picChg chg="add mod">
-          <ac:chgData name="Sylvain Torrenti" userId="90f9519b-062b-4284-92c0-6d241ed0369b" providerId="ADAL" clId="{837A0EFE-727B-469C-A65E-5298C3FA34FC}" dt="2023-06-12T13:53:54.408" v="1371" actId="1076"/>
-          <ac:picMkLst>
-            <pc:docMk/>
-            <pc:sldMk cId="2024705822" sldId="263"/>
-            <ac:picMk id="8" creationId="{C42D3276-5F5B-12CF-BD0E-5351F5DB813D}"/>
-          </ac:picMkLst>
-        </pc:picChg>
-      </pc:sldChg>
-      <pc:sldChg chg="delSp modSp add del mod ord">
-        <pc:chgData name="Sylvain Torrenti" userId="90f9519b-062b-4284-92c0-6d241ed0369b" providerId="ADAL" clId="{837A0EFE-727B-469C-A65E-5298C3FA34FC}" dt="2023-06-12T13:11:12.860" v="1150" actId="47"/>
-        <pc:sldMkLst>
-          <pc:docMk/>
-          <pc:sldMk cId="1373487242" sldId="264"/>
-        </pc:sldMkLst>
-        <pc:spChg chg="mod">
-          <ac:chgData name="Sylvain Torrenti" userId="90f9519b-062b-4284-92c0-6d241ed0369b" providerId="ADAL" clId="{837A0EFE-727B-469C-A65E-5298C3FA34FC}" dt="2023-06-12T13:01:20.043" v="1087" actId="113"/>
-          <ac:spMkLst>
-            <pc:docMk/>
-            <pc:sldMk cId="1373487242" sldId="264"/>
-            <ac:spMk id="2" creationId="{2BAA3FB9-B037-67A9-EB48-5983AE70877D}"/>
-          </ac:spMkLst>
-        </pc:spChg>
-        <pc:spChg chg="del">
-          <ac:chgData name="Sylvain Torrenti" userId="90f9519b-062b-4284-92c0-6d241ed0369b" providerId="ADAL" clId="{837A0EFE-727B-469C-A65E-5298C3FA34FC}" dt="2023-06-12T12:45:52.027" v="890" actId="478"/>
-          <ac:spMkLst>
-            <pc:docMk/>
-            <pc:sldMk cId="1373487242" sldId="264"/>
-            <ac:spMk id="3" creationId="{E237BE4F-DE97-8FEB-CB4F-A5029AFC9274}"/>
-          </ac:spMkLst>
-        </pc:spChg>
-      </pc:sldChg>
-      <pc:sldChg chg="delSp add del mod">
-        <pc:chgData name="Sylvain Torrenti" userId="90f9519b-062b-4284-92c0-6d241ed0369b" providerId="ADAL" clId="{837A0EFE-727B-469C-A65E-5298C3FA34FC}" dt="2023-06-12T13:55:31.455" v="1404" actId="47"/>
-        <pc:sldMkLst>
-          <pc:docMk/>
-          <pc:sldMk cId="889556070" sldId="265"/>
-        </pc:sldMkLst>
-        <pc:spChg chg="del">
-          <ac:chgData name="Sylvain Torrenti" userId="90f9519b-062b-4284-92c0-6d241ed0369b" providerId="ADAL" clId="{837A0EFE-727B-469C-A65E-5298C3FA34FC}" dt="2023-06-12T12:45:49.802" v="889" actId="478"/>
-          <ac:spMkLst>
-            <pc:docMk/>
-            <pc:sldMk cId="889556070" sldId="265"/>
-            <ac:spMk id="3" creationId="{E237BE4F-DE97-8FEB-CB4F-A5029AFC9274}"/>
-          </ac:spMkLst>
-        </pc:spChg>
-      </pc:sldChg>
-      <pc:sldChg chg="delSp modSp add del mod">
-        <pc:chgData name="Sylvain Torrenti" userId="90f9519b-062b-4284-92c0-6d241ed0369b" providerId="ADAL" clId="{837A0EFE-727B-469C-A65E-5298C3FA34FC}" dt="2023-06-12T13:55:33.916" v="1406" actId="47"/>
-        <pc:sldMkLst>
-          <pc:docMk/>
-          <pc:sldMk cId="748013821" sldId="266"/>
-        </pc:sldMkLst>
-        <pc:spChg chg="del mod">
-          <ac:chgData name="Sylvain Torrenti" userId="90f9519b-062b-4284-92c0-6d241ed0369b" providerId="ADAL" clId="{837A0EFE-727B-469C-A65E-5298C3FA34FC}" dt="2023-06-12T12:45:47.772" v="888" actId="478"/>
-          <ac:spMkLst>
-            <pc:docMk/>
-            <pc:sldMk cId="748013821" sldId="266"/>
-            <ac:spMk id="3" creationId="{E237BE4F-DE97-8FEB-CB4F-A5029AFC9274}"/>
-          </ac:spMkLst>
-        </pc:spChg>
-      </pc:sldChg>
-      <pc:sldChg chg="delSp add del mod">
-        <pc:chgData name="Sylvain Torrenti" userId="90f9519b-062b-4284-92c0-6d241ed0369b" providerId="ADAL" clId="{837A0EFE-727B-469C-A65E-5298C3FA34FC}" dt="2023-06-12T13:55:35.152" v="1407" actId="47"/>
-        <pc:sldMkLst>
-          <pc:docMk/>
-          <pc:sldMk cId="2749904740" sldId="267"/>
-        </pc:sldMkLst>
-        <pc:spChg chg="del">
-          <ac:chgData name="Sylvain Torrenti" userId="90f9519b-062b-4284-92c0-6d241ed0369b" providerId="ADAL" clId="{837A0EFE-727B-469C-A65E-5298C3FA34FC}" dt="2023-06-12T12:45:43.499" v="886" actId="478"/>
-          <ac:spMkLst>
-            <pc:docMk/>
-            <pc:sldMk cId="2749904740" sldId="267"/>
-            <ac:spMk id="3" creationId="{E237BE4F-DE97-8FEB-CB4F-A5029AFC9274}"/>
-          </ac:spMkLst>
-        </pc:spChg>
-      </pc:sldChg>
-      <pc:sldChg chg="new del">
-        <pc:chgData name="Sylvain Torrenti" userId="90f9519b-062b-4284-92c0-6d241ed0369b" providerId="ADAL" clId="{837A0EFE-727B-469C-A65E-5298C3FA34FC}" dt="2023-06-12T12:48:56.179" v="1007" actId="47"/>
-        <pc:sldMkLst>
-          <pc:docMk/>
-          <pc:sldMk cId="1314365266" sldId="268"/>
-        </pc:sldMkLst>
-      </pc:sldChg>
-      <pc:sldChg chg="modSp add mod modNotesTx">
-        <pc:chgData name="Sylvain Torrenti" userId="90f9519b-062b-4284-92c0-6d241ed0369b" providerId="ADAL" clId="{837A0EFE-727B-469C-A65E-5298C3FA34FC}" dt="2023-06-13T09:06:16.019" v="3200" actId="33524"/>
-        <pc:sldMkLst>
-          <pc:docMk/>
-          <pc:sldMk cId="4010844773" sldId="269"/>
-        </pc:sldMkLst>
-        <pc:spChg chg="mod">
-          <ac:chgData name="Sylvain Torrenti" userId="90f9519b-062b-4284-92c0-6d241ed0369b" providerId="ADAL" clId="{837A0EFE-727B-469C-A65E-5298C3FA34FC}" dt="2023-06-12T13:00:52.841" v="1083" actId="20577"/>
-          <ac:spMkLst>
-            <pc:docMk/>
-            <pc:sldMk cId="4010844773" sldId="269"/>
-            <ac:spMk id="2" creationId="{2BAA3FB9-B037-67A9-EB48-5983AE70877D}"/>
-          </ac:spMkLst>
-        </pc:spChg>
-        <pc:spChg chg="mod">
-          <ac:chgData name="Sylvain Torrenti" userId="90f9519b-062b-4284-92c0-6d241ed0369b" providerId="ADAL" clId="{837A0EFE-727B-469C-A65E-5298C3FA34FC}" dt="2023-06-13T07:30:21.851" v="2454" actId="20577"/>
-          <ac:spMkLst>
-            <pc:docMk/>
-            <pc:sldMk cId="4010844773" sldId="269"/>
-            <ac:spMk id="3" creationId="{6F1111F0-B326-FD3F-3BB3-0C1E464AD786}"/>
-          </ac:spMkLst>
-        </pc:spChg>
-      </pc:sldChg>
-      <pc:sldChg chg="modSp add mod modNotesTx">
-        <pc:chgData name="Sylvain Torrenti" userId="90f9519b-062b-4284-92c0-6d241ed0369b" providerId="ADAL" clId="{837A0EFE-727B-469C-A65E-5298C3FA34FC}" dt="2023-06-13T09:06:20.552" v="3201"/>
-        <pc:sldMkLst>
-          <pc:docMk/>
-          <pc:sldMk cId="4047260055" sldId="270"/>
-        </pc:sldMkLst>
-        <pc:spChg chg="mod">
-          <ac:chgData name="Sylvain Torrenti" userId="90f9519b-062b-4284-92c0-6d241ed0369b" providerId="ADAL" clId="{837A0EFE-727B-469C-A65E-5298C3FA34FC}" dt="2023-06-12T13:01:03.305" v="1084" actId="20577"/>
-          <ac:spMkLst>
-            <pc:docMk/>
-            <pc:sldMk cId="4047260055" sldId="270"/>
-            <ac:spMk id="2" creationId="{2BAA3FB9-B037-67A9-EB48-5983AE70877D}"/>
-          </ac:spMkLst>
-        </pc:spChg>
-        <pc:spChg chg="mod">
-          <ac:chgData name="Sylvain Torrenti" userId="90f9519b-062b-4284-92c0-6d241ed0369b" providerId="ADAL" clId="{837A0EFE-727B-469C-A65E-5298C3FA34FC}" dt="2023-06-13T07:30:15.883" v="2452" actId="20577"/>
-          <ac:spMkLst>
-            <pc:docMk/>
-            <pc:sldMk cId="4047260055" sldId="270"/>
-            <ac:spMk id="3" creationId="{6F1111F0-B326-FD3F-3BB3-0C1E464AD786}"/>
-          </ac:spMkLst>
-        </pc:spChg>
-      </pc:sldChg>
-      <pc:sldChg chg="addSp delSp modSp add mod modNotesTx">
-        <pc:chgData name="Sylvain Torrenti" userId="90f9519b-062b-4284-92c0-6d241ed0369b" providerId="ADAL" clId="{837A0EFE-727B-469C-A65E-5298C3FA34FC}" dt="2023-06-13T09:29:26.976" v="3978" actId="1076"/>
-        <pc:sldMkLst>
-          <pc:docMk/>
-          <pc:sldMk cId="4030798679" sldId="271"/>
-        </pc:sldMkLst>
-        <pc:spChg chg="add mod">
-          <ac:chgData name="Sylvain Torrenti" userId="90f9519b-062b-4284-92c0-6d241ed0369b" providerId="ADAL" clId="{837A0EFE-727B-469C-A65E-5298C3FA34FC}" dt="2023-06-12T13:13:44.210" v="1225" actId="1076"/>
-          <ac:spMkLst>
-            <pc:docMk/>
-            <pc:sldMk cId="4030798679" sldId="271"/>
-            <ac:spMk id="3" creationId="{AF763D4B-B898-8A25-1250-0B71C5D70D2E}"/>
-          </ac:spMkLst>
-        </pc:spChg>
-        <pc:picChg chg="del">
-          <ac:chgData name="Sylvain Torrenti" userId="90f9519b-062b-4284-92c0-6d241ed0369b" providerId="ADAL" clId="{837A0EFE-727B-469C-A65E-5298C3FA34FC}" dt="2023-06-12T13:11:17.075" v="1152" actId="478"/>
-          <ac:picMkLst>
-            <pc:docMk/>
-            <pc:sldMk cId="4030798679" sldId="271"/>
-            <ac:picMk id="8" creationId="{1852A7D6-00FA-F1FA-2E29-6C70C2E7C09B}"/>
-          </ac:picMkLst>
-        </pc:picChg>
-        <pc:picChg chg="add mod">
-          <ac:chgData name="Sylvain Torrenti" userId="90f9519b-062b-4284-92c0-6d241ed0369b" providerId="ADAL" clId="{837A0EFE-727B-469C-A65E-5298C3FA34FC}" dt="2023-06-13T09:29:26.976" v="3978" actId="1076"/>
-          <ac:picMkLst>
-            <pc:docMk/>
-            <pc:sldMk cId="4030798679" sldId="271"/>
-            <ac:picMk id="9" creationId="{618BE040-DD50-F399-3FAF-1A505DED6FA0}"/>
-          </ac:picMkLst>
-        </pc:picChg>
-        <pc:picChg chg="del">
-          <ac:chgData name="Sylvain Torrenti" userId="90f9519b-062b-4284-92c0-6d241ed0369b" providerId="ADAL" clId="{837A0EFE-727B-469C-A65E-5298C3FA34FC}" dt="2023-06-12T13:11:16.003" v="1151" actId="478"/>
-          <ac:picMkLst>
-            <pc:docMk/>
-            <pc:sldMk cId="4030798679" sldId="271"/>
-            <ac:picMk id="10" creationId="{3A6244BD-9B81-36DC-55B8-E918E4C33DE0}"/>
-          </ac:picMkLst>
-        </pc:picChg>
-      </pc:sldChg>
-      <pc:sldChg chg="addSp delSp modSp add mod modNotesTx">
-        <pc:chgData name="Sylvain Torrenti" userId="90f9519b-062b-4284-92c0-6d241ed0369b" providerId="ADAL" clId="{837A0EFE-727B-469C-A65E-5298C3FA34FC}" dt="2023-06-13T09:09:11.977" v="3335"/>
-        <pc:sldMkLst>
-          <pc:docMk/>
-          <pc:sldMk cId="1731355356" sldId="272"/>
-        </pc:sldMkLst>
-        <pc:spChg chg="mod">
-          <ac:chgData name="Sylvain Torrenti" userId="90f9519b-062b-4284-92c0-6d241ed0369b" providerId="ADAL" clId="{837A0EFE-727B-469C-A65E-5298C3FA34FC}" dt="2023-06-12T13:15:11.664" v="1247" actId="20577"/>
-          <ac:spMkLst>
-            <pc:docMk/>
-            <pc:sldMk cId="1731355356" sldId="272"/>
-            <ac:spMk id="3" creationId="{AF763D4B-B898-8A25-1250-0B71C5D70D2E}"/>
-          </ac:spMkLst>
-        </pc:spChg>
-        <pc:picChg chg="add mod">
-          <ac:chgData name="Sylvain Torrenti" userId="90f9519b-062b-4284-92c0-6d241ed0369b" providerId="ADAL" clId="{837A0EFE-727B-469C-A65E-5298C3FA34FC}" dt="2023-06-12T13:15:24.900" v="1251" actId="1076"/>
-          <ac:picMkLst>
-            <pc:docMk/>
-            <pc:sldMk cId="1731355356" sldId="272"/>
-            <ac:picMk id="8" creationId="{6BA3B8C3-BC76-ECC6-6ACA-3EEC401FC1CE}"/>
-          </ac:picMkLst>
-        </pc:picChg>
-        <pc:picChg chg="del">
-          <ac:chgData name="Sylvain Torrenti" userId="90f9519b-062b-4284-92c0-6d241ed0369b" providerId="ADAL" clId="{837A0EFE-727B-469C-A65E-5298C3FA34FC}" dt="2023-06-12T13:14:55.729" v="1231" actId="478"/>
-          <ac:picMkLst>
-            <pc:docMk/>
-            <pc:sldMk cId="1731355356" sldId="272"/>
-            <ac:picMk id="9" creationId="{618BE040-DD50-F399-3FAF-1A505DED6FA0}"/>
-          </ac:picMkLst>
-        </pc:picChg>
-      </pc:sldChg>
-      <pc:sldChg chg="addSp delSp modSp add mod modNotesTx">
-        <pc:chgData name="Sylvain Torrenti" userId="90f9519b-062b-4284-92c0-6d241ed0369b" providerId="ADAL" clId="{837A0EFE-727B-469C-A65E-5298C3FA34FC}" dt="2023-06-13T09:09:43.267" v="3367" actId="20577"/>
-        <pc:sldMkLst>
-          <pc:docMk/>
-          <pc:sldMk cId="153621589" sldId="273"/>
-        </pc:sldMkLst>
-        <pc:spChg chg="del">
-          <ac:chgData name="Sylvain Torrenti" userId="90f9519b-062b-4284-92c0-6d241ed0369b" providerId="ADAL" clId="{837A0EFE-727B-469C-A65E-5298C3FA34FC}" dt="2023-06-12T13:47:21.432" v="1254" actId="478"/>
-          <ac:spMkLst>
-            <pc:docMk/>
-            <pc:sldMk cId="153621589" sldId="273"/>
-            <ac:spMk id="3" creationId="{AF763D4B-B898-8A25-1250-0B71C5D70D2E}"/>
-          </ac:spMkLst>
-        </pc:spChg>
-        <pc:spChg chg="mod">
-          <ac:chgData name="Sylvain Torrenti" userId="90f9519b-062b-4284-92c0-6d241ed0369b" providerId="ADAL" clId="{837A0EFE-727B-469C-A65E-5298C3FA34FC}" dt="2023-06-12T13:48:52.600" v="1285" actId="20577"/>
-          <ac:spMkLst>
-            <pc:docMk/>
-            <pc:sldMk cId="153621589" sldId="273"/>
-            <ac:spMk id="6" creationId="{749ADBEB-4357-E74C-DC29-3FC6C1C059D3}"/>
-          </ac:spMkLst>
-        </pc:spChg>
-        <pc:spChg chg="add mod">
-          <ac:chgData name="Sylvain Torrenti" userId="90f9519b-062b-4284-92c0-6d241ed0369b" providerId="ADAL" clId="{837A0EFE-727B-469C-A65E-5298C3FA34FC}" dt="2023-06-12T13:50:18.520" v="1314" actId="20577"/>
-          <ac:spMkLst>
-            <pc:docMk/>
-            <pc:sldMk cId="153621589" sldId="273"/>
-            <ac:spMk id="10" creationId="{7F2F4B28-712D-B781-7CDC-F370531D3415}"/>
-          </ac:spMkLst>
-        </pc:spChg>
-        <pc:spChg chg="add mod">
-          <ac:chgData name="Sylvain Torrenti" userId="90f9519b-062b-4284-92c0-6d241ed0369b" providerId="ADAL" clId="{837A0EFE-727B-469C-A65E-5298C3FA34FC}" dt="2023-06-13T07:55:02.958" v="2919" actId="20577"/>
-          <ac:spMkLst>
-            <pc:docMk/>
-            <pc:sldMk cId="153621589" sldId="273"/>
-            <ac:spMk id="11" creationId="{22B979C5-322D-51EA-85A1-9BE1562BF9B6}"/>
-          </ac:spMkLst>
-        </pc:spChg>
-        <pc:picChg chg="del">
-          <ac:chgData name="Sylvain Torrenti" userId="90f9519b-062b-4284-92c0-6d241ed0369b" providerId="ADAL" clId="{837A0EFE-727B-469C-A65E-5298C3FA34FC}" dt="2023-06-12T13:47:18.698" v="1253" actId="478"/>
-          <ac:picMkLst>
-            <pc:docMk/>
-            <pc:sldMk cId="153621589" sldId="273"/>
-            <ac:picMk id="8" creationId="{6BA3B8C3-BC76-ECC6-6ACA-3EEC401FC1CE}"/>
-          </ac:picMkLst>
-        </pc:picChg>
-        <pc:picChg chg="add mod">
-          <ac:chgData name="Sylvain Torrenti" userId="90f9519b-062b-4284-92c0-6d241ed0369b" providerId="ADAL" clId="{837A0EFE-727B-469C-A65E-5298C3FA34FC}" dt="2023-06-12T13:49:24.530" v="1292" actId="1076"/>
-          <ac:picMkLst>
-            <pc:docMk/>
-            <pc:sldMk cId="153621589" sldId="273"/>
-            <ac:picMk id="9" creationId="{A50EF933-A4EF-4476-70DF-782AE30BCEAE}"/>
-          </ac:picMkLst>
-        </pc:picChg>
-      </pc:sldChg>
-      <pc:sldChg chg="modSp add mod modNotesTx">
-        <pc:chgData name="Sylvain Torrenti" userId="90f9519b-062b-4284-92c0-6d241ed0369b" providerId="ADAL" clId="{837A0EFE-727B-469C-A65E-5298C3FA34FC}" dt="2023-06-13T09:06:24.999" v="3202"/>
-        <pc:sldMkLst>
-          <pc:docMk/>
-          <pc:sldMk cId="70516639" sldId="274"/>
-        </pc:sldMkLst>
-        <pc:spChg chg="mod">
-          <ac:chgData name="Sylvain Torrenti" userId="90f9519b-062b-4284-92c0-6d241ed0369b" providerId="ADAL" clId="{837A0EFE-727B-469C-A65E-5298C3FA34FC}" dt="2023-06-13T07:30:09.180" v="2450" actId="20577"/>
-          <ac:spMkLst>
-            <pc:docMk/>
-            <pc:sldMk cId="70516639" sldId="274"/>
-            <ac:spMk id="3" creationId="{6F1111F0-B326-FD3F-3BB3-0C1E464AD786}"/>
-          </ac:spMkLst>
-        </pc:spChg>
-      </pc:sldChg>
-      <pc:sldChg chg="addSp delSp modSp add mod modNotesTx">
-        <pc:chgData name="Sylvain Torrenti" userId="90f9519b-062b-4284-92c0-6d241ed0369b" providerId="ADAL" clId="{837A0EFE-727B-469C-A65E-5298C3FA34FC}" dt="2023-06-13T09:10:18.448" v="3429" actId="20577"/>
-        <pc:sldMkLst>
-          <pc:docMk/>
-          <pc:sldMk cId="297775141" sldId="275"/>
-        </pc:sldMkLst>
-        <pc:spChg chg="add del mod">
-          <ac:chgData name="Sylvain Torrenti" userId="90f9519b-062b-4284-92c0-6d241ed0369b" providerId="ADAL" clId="{837A0EFE-727B-469C-A65E-5298C3FA34FC}" dt="2023-06-12T13:56:09.276" v="1414" actId="767"/>
-          <ac:spMkLst>
-            <pc:docMk/>
-            <pc:sldMk cId="297775141" sldId="275"/>
-            <ac:spMk id="3" creationId="{C2405BE5-76D4-6433-28B3-88480AB039B6}"/>
-          </ac:spMkLst>
-        </pc:spChg>
-        <pc:spChg chg="add mod">
-          <ac:chgData name="Sylvain Torrenti" userId="90f9519b-062b-4284-92c0-6d241ed0369b" providerId="ADAL" clId="{837A0EFE-727B-469C-A65E-5298C3FA34FC}" dt="2023-06-12T13:56:28.479" v="1437" actId="1076"/>
-          <ac:spMkLst>
-            <pc:docMk/>
-            <pc:sldMk cId="297775141" sldId="275"/>
-            <ac:spMk id="7" creationId="{25755E7B-C4C0-863A-7023-633188E749F6}"/>
-          </ac:spMkLst>
-        </pc:spChg>
-        <pc:spChg chg="del">
-          <ac:chgData name="Sylvain Torrenti" userId="90f9519b-062b-4284-92c0-6d241ed0369b" providerId="ADAL" clId="{837A0EFE-727B-469C-A65E-5298C3FA34FC}" dt="2023-06-12T13:55:42.729" v="1410" actId="478"/>
-          <ac:spMkLst>
-            <pc:docMk/>
-            <pc:sldMk cId="297775141" sldId="275"/>
-            <ac:spMk id="9" creationId="{F27A14AB-BEFD-0F1A-602A-8520AA675C2B}"/>
-          </ac:spMkLst>
-        </pc:spChg>
-        <pc:spChg chg="del">
-          <ac:chgData name="Sylvain Torrenti" userId="90f9519b-062b-4284-92c0-6d241ed0369b" providerId="ADAL" clId="{837A0EFE-727B-469C-A65E-5298C3FA34FC}" dt="2023-06-12T13:55:44.248" v="1411" actId="478"/>
-          <ac:spMkLst>
-            <pc:docMk/>
-            <pc:sldMk cId="297775141" sldId="275"/>
-            <ac:spMk id="10" creationId="{55960403-4AE1-4112-CE57-0ED87E9F5860}"/>
-          </ac:spMkLst>
-        </pc:spChg>
-        <pc:spChg chg="del">
-          <ac:chgData name="Sylvain Torrenti" userId="90f9519b-062b-4284-92c0-6d241ed0369b" providerId="ADAL" clId="{837A0EFE-727B-469C-A65E-5298C3FA34FC}" dt="2023-06-12T13:55:46.502" v="1412" actId="478"/>
-          <ac:spMkLst>
-            <pc:docMk/>
-            <pc:sldMk cId="297775141" sldId="275"/>
-            <ac:spMk id="11" creationId="{86DD146B-4C39-E23B-1B18-BD2812568B12}"/>
-          </ac:spMkLst>
-        </pc:spChg>
-        <pc:picChg chg="del">
-          <ac:chgData name="Sylvain Torrenti" userId="90f9519b-062b-4284-92c0-6d241ed0369b" providerId="ADAL" clId="{837A0EFE-727B-469C-A65E-5298C3FA34FC}" dt="2023-06-12T13:55:40.919" v="1409" actId="478"/>
-          <ac:picMkLst>
-            <pc:docMk/>
-            <pc:sldMk cId="297775141" sldId="275"/>
-            <ac:picMk id="8" creationId="{C42D3276-5F5B-12CF-BD0E-5351F5DB813D}"/>
-          </ac:picMkLst>
-        </pc:picChg>
-        <pc:picChg chg="add mod">
-          <ac:chgData name="Sylvain Torrenti" userId="90f9519b-062b-4284-92c0-6d241ed0369b" providerId="ADAL" clId="{837A0EFE-727B-469C-A65E-5298C3FA34FC}" dt="2023-06-12T13:56:59.310" v="1442" actId="1076"/>
-          <ac:picMkLst>
-            <pc:docMk/>
-            <pc:sldMk cId="297775141" sldId="275"/>
-            <ac:picMk id="13" creationId="{BEB3AD72-3FCC-7106-6DEA-B3DB459E9B3A}"/>
-          </ac:picMkLst>
-        </pc:picChg>
-      </pc:sldChg>
-      <pc:sldChg chg="new del">
-        <pc:chgData name="Sylvain Torrenti" userId="90f9519b-062b-4284-92c0-6d241ed0369b" providerId="ADAL" clId="{837A0EFE-727B-469C-A65E-5298C3FA34FC}" dt="2023-06-12T13:55:32.588" v="1405" actId="47"/>
-        <pc:sldMkLst>
-          <pc:docMk/>
-          <pc:sldMk cId="4080296722" sldId="275"/>
-        </pc:sldMkLst>
-      </pc:sldChg>
-      <pc:sldChg chg="addSp delSp modSp add del mod modNotesTx">
-        <pc:chgData name="Sylvain Torrenti" userId="90f9519b-062b-4284-92c0-6d241ed0369b" providerId="ADAL" clId="{837A0EFE-727B-469C-A65E-5298C3FA34FC}" dt="2023-06-13T09:20:18.114" v="3777"/>
-        <pc:sldMkLst>
-          <pc:docMk/>
-          <pc:sldMk cId="4166347134" sldId="276"/>
-        </pc:sldMkLst>
-        <pc:spChg chg="mod">
-          <ac:chgData name="Sylvain Torrenti" userId="90f9519b-062b-4284-92c0-6d241ed0369b" providerId="ADAL" clId="{837A0EFE-727B-469C-A65E-5298C3FA34FC}" dt="2023-06-12T14:01:43.372" v="1563" actId="115"/>
-          <ac:spMkLst>
-            <pc:docMk/>
-            <pc:sldMk cId="4166347134" sldId="276"/>
-            <ac:spMk id="7" creationId="{25755E7B-C4C0-863A-7023-633188E749F6}"/>
-          </ac:spMkLst>
-        </pc:spChg>
-        <pc:spChg chg="add mod">
-          <ac:chgData name="Sylvain Torrenti" userId="90f9519b-062b-4284-92c0-6d241ed0369b" providerId="ADAL" clId="{837A0EFE-727B-469C-A65E-5298C3FA34FC}" dt="2023-06-12T14:00:17.984" v="1547" actId="1076"/>
-          <ac:spMkLst>
-            <pc:docMk/>
-            <pc:sldMk cId="4166347134" sldId="276"/>
-            <ac:spMk id="9" creationId="{30DEEBDF-D639-3ABA-6F37-9FB45B97255C}"/>
-          </ac:spMkLst>
-        </pc:spChg>
-        <pc:spChg chg="add mod">
-          <ac:chgData name="Sylvain Torrenti" userId="90f9519b-062b-4284-92c0-6d241ed0369b" providerId="ADAL" clId="{837A0EFE-727B-469C-A65E-5298C3FA34FC}" dt="2023-06-12T14:00:23.330" v="1548" actId="1076"/>
-          <ac:spMkLst>
-            <pc:docMk/>
-            <pc:sldMk cId="4166347134" sldId="276"/>
-            <ac:spMk id="10" creationId="{C158B143-24A5-A060-F568-52A8E36394F4}"/>
-          </ac:spMkLst>
-        </pc:spChg>
-        <pc:spChg chg="add mod">
-          <ac:chgData name="Sylvain Torrenti" userId="90f9519b-062b-4284-92c0-6d241ed0369b" providerId="ADAL" clId="{837A0EFE-727B-469C-A65E-5298C3FA34FC}" dt="2023-06-12T14:00:36.669" v="1549" actId="1076"/>
-          <ac:spMkLst>
-            <pc:docMk/>
-            <pc:sldMk cId="4166347134" sldId="276"/>
-            <ac:spMk id="11" creationId="{439EDA0B-D351-1C31-A426-C40733440231}"/>
-          </ac:spMkLst>
-        </pc:spChg>
-        <pc:spChg chg="add mod">
-          <ac:chgData name="Sylvain Torrenti" userId="90f9519b-062b-4284-92c0-6d241ed0369b" providerId="ADAL" clId="{837A0EFE-727B-469C-A65E-5298C3FA34FC}" dt="2023-06-12T14:01:28.819" v="1562" actId="1076"/>
-          <ac:spMkLst>
-            <pc:docMk/>
-            <pc:sldMk cId="4166347134" sldId="276"/>
-            <ac:spMk id="15" creationId="{7D61F60B-36B1-FFF5-2555-4A8CD5AE541E}"/>
-          </ac:spMkLst>
-        </pc:spChg>
-        <pc:picChg chg="add mod">
-          <ac:chgData name="Sylvain Torrenti" userId="90f9519b-062b-4284-92c0-6d241ed0369b" providerId="ADAL" clId="{837A0EFE-727B-469C-A65E-5298C3FA34FC}" dt="2023-06-12T13:57:54.225" v="1457" actId="1076"/>
-          <ac:picMkLst>
-            <pc:docMk/>
-            <pc:sldMk cId="4166347134" sldId="276"/>
-            <ac:picMk id="8" creationId="{785A4B8A-4FC2-1E25-AD32-235278F9E2E8}"/>
-          </ac:picMkLst>
-        </pc:picChg>
-        <pc:picChg chg="del">
-          <ac:chgData name="Sylvain Torrenti" userId="90f9519b-062b-4284-92c0-6d241ed0369b" providerId="ADAL" clId="{837A0EFE-727B-469C-A65E-5298C3FA34FC}" dt="2023-06-12T13:57:30.840" v="1444" actId="478"/>
-          <ac:picMkLst>
-            <pc:docMk/>
-            <pc:sldMk cId="4166347134" sldId="276"/>
-            <ac:picMk id="13" creationId="{BEB3AD72-3FCC-7106-6DEA-B3DB459E9B3A}"/>
-          </ac:picMkLst>
-        </pc:picChg>
-        <pc:picChg chg="add mod">
-          <ac:chgData name="Sylvain Torrenti" userId="90f9519b-062b-4284-92c0-6d241ed0369b" providerId="ADAL" clId="{837A0EFE-727B-469C-A65E-5298C3FA34FC}" dt="2023-06-12T14:01:02.139" v="1552" actId="1076"/>
-          <ac:picMkLst>
-            <pc:docMk/>
-            <pc:sldMk cId="4166347134" sldId="276"/>
-            <ac:picMk id="14" creationId="{E2EDDB39-7D4C-10C9-8138-B1A96B38DF9C}"/>
-          </ac:picMkLst>
-        </pc:picChg>
-      </pc:sldChg>
-      <pc:sldChg chg="addSp delSp modSp add mod modNotesTx">
-        <pc:chgData name="Sylvain Torrenti" userId="90f9519b-062b-4284-92c0-6d241ed0369b" providerId="ADAL" clId="{837A0EFE-727B-469C-A65E-5298C3FA34FC}" dt="2023-06-13T09:20:35.498" v="3799" actId="20577"/>
-        <pc:sldMkLst>
-          <pc:docMk/>
-          <pc:sldMk cId="1078918169" sldId="277"/>
-        </pc:sldMkLst>
-        <pc:spChg chg="mod">
-          <ac:chgData name="Sylvain Torrenti" userId="90f9519b-062b-4284-92c0-6d241ed0369b" providerId="ADAL" clId="{837A0EFE-727B-469C-A65E-5298C3FA34FC}" dt="2023-06-12T14:02:07.169" v="1576" actId="20577"/>
-          <ac:spMkLst>
-            <pc:docMk/>
-            <pc:sldMk cId="1078918169" sldId="277"/>
-            <ac:spMk id="7" creationId="{25755E7B-C4C0-863A-7023-633188E749F6}"/>
-          </ac:spMkLst>
-        </pc:spChg>
-        <pc:spChg chg="del mod">
-          <ac:chgData name="Sylvain Torrenti" userId="90f9519b-062b-4284-92c0-6d241ed0369b" providerId="ADAL" clId="{837A0EFE-727B-469C-A65E-5298C3FA34FC}" dt="2023-06-12T14:01:58.689" v="1571" actId="478"/>
-          <ac:spMkLst>
-            <pc:docMk/>
-            <pc:sldMk cId="1078918169" sldId="277"/>
-            <ac:spMk id="9" creationId="{30DEEBDF-D639-3ABA-6F37-9FB45B97255C}"/>
-          </ac:spMkLst>
-        </pc:spChg>
-        <pc:spChg chg="del">
-          <ac:chgData name="Sylvain Torrenti" userId="90f9519b-062b-4284-92c0-6d241ed0369b" providerId="ADAL" clId="{837A0EFE-727B-469C-A65E-5298C3FA34FC}" dt="2023-06-12T14:01:56.994" v="1569" actId="478"/>
-          <ac:spMkLst>
-            <pc:docMk/>
-            <pc:sldMk cId="1078918169" sldId="277"/>
-            <ac:spMk id="10" creationId="{C158B143-24A5-A060-F568-52A8E36394F4}"/>
-          </ac:spMkLst>
-        </pc:spChg>
-        <pc:spChg chg="del">
-          <ac:chgData name="Sylvain Torrenti" userId="90f9519b-062b-4284-92c0-6d241ed0369b" providerId="ADAL" clId="{837A0EFE-727B-469C-A65E-5298C3FA34FC}" dt="2023-06-12T14:01:55.954" v="1568" actId="478"/>
-          <ac:spMkLst>
-            <pc:docMk/>
-            <pc:sldMk cId="1078918169" sldId="277"/>
-            <ac:spMk id="11" creationId="{439EDA0B-D351-1C31-A426-C40733440231}"/>
-          </ac:spMkLst>
-        </pc:spChg>
-        <pc:spChg chg="add mod">
-          <ac:chgData name="Sylvain Torrenti" userId="90f9519b-062b-4284-92c0-6d241ed0369b" providerId="ADAL" clId="{837A0EFE-727B-469C-A65E-5298C3FA34FC}" dt="2023-06-13T06:41:29.915" v="1678" actId="20577"/>
-          <ac:spMkLst>
-            <pc:docMk/>
-            <pc:sldMk cId="1078918169" sldId="277"/>
-            <ac:spMk id="13" creationId="{6C4A609F-B056-8D2E-7B28-F3B06829DFFE}"/>
-          </ac:spMkLst>
-        </pc:spChg>
-        <pc:spChg chg="del mod">
-          <ac:chgData name="Sylvain Torrenti" userId="90f9519b-062b-4284-92c0-6d241ed0369b" providerId="ADAL" clId="{837A0EFE-727B-469C-A65E-5298C3FA34FC}" dt="2023-06-12T14:01:54.882" v="1567" actId="478"/>
-          <ac:spMkLst>
-            <pc:docMk/>
-            <pc:sldMk cId="1078918169" sldId="277"/>
-            <ac:spMk id="15" creationId="{7D61F60B-36B1-FFF5-2555-4A8CD5AE541E}"/>
-          </ac:spMkLst>
-        </pc:spChg>
-        <pc:picChg chg="del">
-          <ac:chgData name="Sylvain Torrenti" userId="90f9519b-062b-4284-92c0-6d241ed0369b" providerId="ADAL" clId="{837A0EFE-727B-469C-A65E-5298C3FA34FC}" dt="2023-06-12T14:01:59.377" v="1572" actId="478"/>
-          <ac:picMkLst>
-            <pc:docMk/>
-            <pc:sldMk cId="1078918169" sldId="277"/>
-            <ac:picMk id="8" creationId="{785A4B8A-4FC2-1E25-AD32-235278F9E2E8}"/>
-          </ac:picMkLst>
-        </pc:picChg>
-        <pc:picChg chg="add mod">
-          <ac:chgData name="Sylvain Torrenti" userId="90f9519b-062b-4284-92c0-6d241ed0369b" providerId="ADAL" clId="{837A0EFE-727B-469C-A65E-5298C3FA34FC}" dt="2023-06-13T06:42:56.947" v="1711" actId="1076"/>
-          <ac:picMkLst>
-            <pc:docMk/>
-            <pc:sldMk cId="1078918169" sldId="277"/>
-            <ac:picMk id="12" creationId="{4F133DFA-DFBE-F033-AA59-EE4FBD6B5ABF}"/>
-          </ac:picMkLst>
-        </pc:picChg>
-        <pc:picChg chg="del">
-          <ac:chgData name="Sylvain Torrenti" userId="90f9519b-062b-4284-92c0-6d241ed0369b" providerId="ADAL" clId="{837A0EFE-727B-469C-A65E-5298C3FA34FC}" dt="2023-06-12T14:01:52.802" v="1565" actId="478"/>
-          <ac:picMkLst>
-            <pc:docMk/>
-            <pc:sldMk cId="1078918169" sldId="277"/>
-            <ac:picMk id="14" creationId="{E2EDDB39-7D4C-10C9-8138-B1A96B38DF9C}"/>
-          </ac:picMkLst>
-        </pc:picChg>
-      </pc:sldChg>
-      <pc:sldChg chg="addSp delSp modSp add mod modNotesTx">
-        <pc:chgData name="Sylvain Torrenti" userId="90f9519b-062b-4284-92c0-6d241ed0369b" providerId="ADAL" clId="{837A0EFE-727B-469C-A65E-5298C3FA34FC}" dt="2023-06-13T09:12:48.832" v="3605" actId="20577"/>
-        <pc:sldMkLst>
-          <pc:docMk/>
-          <pc:sldMk cId="1315379192" sldId="278"/>
-        </pc:sldMkLst>
-        <pc:spChg chg="mod">
-          <ac:chgData name="Sylvain Torrenti" userId="90f9519b-062b-4284-92c0-6d241ed0369b" providerId="ADAL" clId="{837A0EFE-727B-469C-A65E-5298C3FA34FC}" dt="2023-06-13T06:41:45.005" v="1691" actId="20577"/>
-          <ac:spMkLst>
-            <pc:docMk/>
-            <pc:sldMk cId="1315379192" sldId="278"/>
-            <ac:spMk id="13" creationId="{6C4A609F-B056-8D2E-7B28-F3B06829DFFE}"/>
-          </ac:spMkLst>
-        </pc:spChg>
-        <pc:picChg chg="add mod">
-          <ac:chgData name="Sylvain Torrenti" userId="90f9519b-062b-4284-92c0-6d241ed0369b" providerId="ADAL" clId="{837A0EFE-727B-469C-A65E-5298C3FA34FC}" dt="2023-06-13T06:43:24.818" v="1715" actId="1076"/>
-          <ac:picMkLst>
-            <pc:docMk/>
-            <pc:sldMk cId="1315379192" sldId="278"/>
-            <ac:picMk id="8" creationId="{ADDE54E9-5805-4118-B071-FD92367857A2}"/>
-          </ac:picMkLst>
-        </pc:picChg>
-        <pc:picChg chg="del">
-          <ac:chgData name="Sylvain Torrenti" userId="90f9519b-062b-4284-92c0-6d241ed0369b" providerId="ADAL" clId="{837A0EFE-727B-469C-A65E-5298C3FA34FC}" dt="2023-06-13T06:40:42.380" v="1656" actId="478"/>
-          <ac:picMkLst>
-            <pc:docMk/>
-            <pc:sldMk cId="1315379192" sldId="278"/>
-            <ac:picMk id="12" creationId="{4F133DFA-DFBE-F033-AA59-EE4FBD6B5ABF}"/>
-          </ac:picMkLst>
-        </pc:picChg>
-      </pc:sldChg>
-      <pc:sldChg chg="modSp add del mod">
-        <pc:chgData name="Sylvain Torrenti" userId="90f9519b-062b-4284-92c0-6d241ed0369b" providerId="ADAL" clId="{837A0EFE-727B-469C-A65E-5298C3FA34FC}" dt="2023-06-13T06:40:12.707" v="1640" actId="47"/>
-        <pc:sldMkLst>
-          <pc:docMk/>
-          <pc:sldMk cId="1897897380" sldId="278"/>
-        </pc:sldMkLst>
-        <pc:spChg chg="mod">
-          <ac:chgData name="Sylvain Torrenti" userId="90f9519b-062b-4284-92c0-6d241ed0369b" providerId="ADAL" clId="{837A0EFE-727B-469C-A65E-5298C3FA34FC}" dt="2023-06-13T06:39:46.989" v="1638" actId="122"/>
-          <ac:spMkLst>
-            <pc:docMk/>
-            <pc:sldMk cId="1897897380" sldId="278"/>
-            <ac:spMk id="13" creationId="{6C4A609F-B056-8D2E-7B28-F3B06829DFFE}"/>
-          </ac:spMkLst>
-        </pc:spChg>
-      </pc:sldChg>
-      <pc:sldChg chg="addSp delSp modSp add mod modNotesTx">
-        <pc:chgData name="Sylvain Torrenti" userId="90f9519b-062b-4284-92c0-6d241ed0369b" providerId="ADAL" clId="{837A0EFE-727B-469C-A65E-5298C3FA34FC}" dt="2023-06-13T09:14:08.055" v="3699" actId="313"/>
-        <pc:sldMkLst>
-          <pc:docMk/>
-          <pc:sldMk cId="3260530471" sldId="279"/>
-        </pc:sldMkLst>
-        <pc:spChg chg="mod">
-          <ac:chgData name="Sylvain Torrenti" userId="90f9519b-062b-4284-92c0-6d241ed0369b" providerId="ADAL" clId="{837A0EFE-727B-469C-A65E-5298C3FA34FC}" dt="2023-06-13T06:44:27.304" v="1739" actId="20577"/>
-          <ac:spMkLst>
-            <pc:docMk/>
-            <pc:sldMk cId="3260530471" sldId="279"/>
-            <ac:spMk id="13" creationId="{6C4A609F-B056-8D2E-7B28-F3B06829DFFE}"/>
-          </ac:spMkLst>
-        </pc:spChg>
-        <pc:picChg chg="del">
-          <ac:chgData name="Sylvain Torrenti" userId="90f9519b-062b-4284-92c0-6d241ed0369b" providerId="ADAL" clId="{837A0EFE-727B-469C-A65E-5298C3FA34FC}" dt="2023-06-13T06:44:10.024" v="1723" actId="478"/>
-          <ac:picMkLst>
-            <pc:docMk/>
-            <pc:sldMk cId="3260530471" sldId="279"/>
-            <ac:picMk id="8" creationId="{ADDE54E9-5805-4118-B071-FD92367857A2}"/>
-          </ac:picMkLst>
-        </pc:picChg>
-        <pc:picChg chg="add mod">
-          <ac:chgData name="Sylvain Torrenti" userId="90f9519b-062b-4284-92c0-6d241ed0369b" providerId="ADAL" clId="{837A0EFE-727B-469C-A65E-5298C3FA34FC}" dt="2023-06-13T06:44:08.435" v="1722" actId="1076"/>
-          <ac:picMkLst>
-            <pc:docMk/>
-            <pc:sldMk cId="3260530471" sldId="279"/>
-            <ac:picMk id="9" creationId="{369C93E0-9E83-799F-B75B-A2E80C7951A5}"/>
-          </ac:picMkLst>
-        </pc:picChg>
-      </pc:sldChg>
-      <pc:sldChg chg="addSp delSp modSp add mod modNotesTx">
-        <pc:chgData name="Sylvain Torrenti" userId="90f9519b-062b-4284-92c0-6d241ed0369b" providerId="ADAL" clId="{837A0EFE-727B-469C-A65E-5298C3FA34FC}" dt="2023-06-13T09:19:11.579" v="3732" actId="313"/>
-        <pc:sldMkLst>
-          <pc:docMk/>
-          <pc:sldMk cId="3720252296" sldId="280"/>
-        </pc:sldMkLst>
-        <pc:spChg chg="mod">
-          <ac:chgData name="Sylvain Torrenti" userId="90f9519b-062b-4284-92c0-6d241ed0369b" providerId="ADAL" clId="{837A0EFE-727B-469C-A65E-5298C3FA34FC}" dt="2023-06-13T06:45:28.231" v="1792" actId="20577"/>
-          <ac:spMkLst>
-            <pc:docMk/>
-            <pc:sldMk cId="3720252296" sldId="280"/>
-            <ac:spMk id="13" creationId="{6C4A609F-B056-8D2E-7B28-F3B06829DFFE}"/>
-          </ac:spMkLst>
-        </pc:spChg>
-        <pc:picChg chg="add mod">
-          <ac:chgData name="Sylvain Torrenti" userId="90f9519b-062b-4284-92c0-6d241ed0369b" providerId="ADAL" clId="{837A0EFE-727B-469C-A65E-5298C3FA34FC}" dt="2023-06-13T06:45:07.174" v="1747" actId="14100"/>
-          <ac:picMkLst>
-            <pc:docMk/>
-            <pc:sldMk cId="3720252296" sldId="280"/>
-            <ac:picMk id="8" creationId="{E825DD3B-604F-E2B4-0277-8B1654508C3C}"/>
-          </ac:picMkLst>
-        </pc:picChg>
-        <pc:picChg chg="del">
-          <ac:chgData name="Sylvain Torrenti" userId="90f9519b-062b-4284-92c0-6d241ed0369b" providerId="ADAL" clId="{837A0EFE-727B-469C-A65E-5298C3FA34FC}" dt="2023-06-13T06:45:01.399" v="1745" actId="478"/>
-          <ac:picMkLst>
-            <pc:docMk/>
-            <pc:sldMk cId="3720252296" sldId="280"/>
-            <ac:picMk id="9" creationId="{369C93E0-9E83-799F-B75B-A2E80C7951A5}"/>
-          </ac:picMkLst>
-        </pc:picChg>
-      </pc:sldChg>
-      <pc:sldChg chg="add del">
-        <pc:chgData name="Sylvain Torrenti" userId="90f9519b-062b-4284-92c0-6d241ed0369b" providerId="ADAL" clId="{837A0EFE-727B-469C-A65E-5298C3FA34FC}" dt="2023-06-13T06:45:35.088" v="1793" actId="47"/>
-        <pc:sldMkLst>
-          <pc:docMk/>
-          <pc:sldMk cId="1844009471" sldId="281"/>
-        </pc:sldMkLst>
-      </pc:sldChg>
-      <pc:sldChg chg="addSp delSp modSp add mod modNotesTx">
-        <pc:chgData name="Sylvain Torrenti" userId="90f9519b-062b-4284-92c0-6d241ed0369b" providerId="ADAL" clId="{837A0EFE-727B-469C-A65E-5298C3FA34FC}" dt="2023-06-13T09:19:16.225" v="3733"/>
-        <pc:sldMkLst>
-          <pc:docMk/>
-          <pc:sldMk cId="1992420591" sldId="281"/>
-        </pc:sldMkLst>
-        <pc:spChg chg="mod">
-          <ac:chgData name="Sylvain Torrenti" userId="90f9519b-062b-4284-92c0-6d241ed0369b" providerId="ADAL" clId="{837A0EFE-727B-469C-A65E-5298C3FA34FC}" dt="2023-06-13T06:46:13.542" v="1816" actId="20577"/>
-          <ac:spMkLst>
-            <pc:docMk/>
-            <pc:sldMk cId="1992420591" sldId="281"/>
-            <ac:spMk id="13" creationId="{6C4A609F-B056-8D2E-7B28-F3B06829DFFE}"/>
-          </ac:spMkLst>
-        </pc:spChg>
-        <pc:picChg chg="del">
-          <ac:chgData name="Sylvain Torrenti" userId="90f9519b-062b-4284-92c0-6d241ed0369b" providerId="ADAL" clId="{837A0EFE-727B-469C-A65E-5298C3FA34FC}" dt="2023-06-13T06:46:02.966" v="1800" actId="478"/>
-          <ac:picMkLst>
-            <pc:docMk/>
-            <pc:sldMk cId="1992420591" sldId="281"/>
-            <ac:picMk id="8" creationId="{E825DD3B-604F-E2B4-0277-8B1654508C3C}"/>
-          </ac:picMkLst>
-        </pc:picChg>
-        <pc:picChg chg="add mod">
-          <ac:chgData name="Sylvain Torrenti" userId="90f9519b-062b-4284-92c0-6d241ed0369b" providerId="ADAL" clId="{837A0EFE-727B-469C-A65E-5298C3FA34FC}" dt="2023-06-13T06:46:05.011" v="1801" actId="1076"/>
-          <ac:picMkLst>
-            <pc:docMk/>
-            <pc:sldMk cId="1992420591" sldId="281"/>
-            <ac:picMk id="9" creationId="{35711C6F-F00C-65CA-6E01-0EAE92F63FD3}"/>
-          </ac:picMkLst>
-        </pc:picChg>
-      </pc:sldChg>
-      <pc:sldChg chg="addSp delSp modSp add mod modNotesTx">
-        <pc:chgData name="Sylvain Torrenti" userId="90f9519b-062b-4284-92c0-6d241ed0369b" providerId="ADAL" clId="{837A0EFE-727B-469C-A65E-5298C3FA34FC}" dt="2023-06-13T09:19:19.297" v="3734"/>
-        <pc:sldMkLst>
-          <pc:docMk/>
-          <pc:sldMk cId="2769241721" sldId="282"/>
-        </pc:sldMkLst>
-        <pc:spChg chg="mod">
-          <ac:chgData name="Sylvain Torrenti" userId="90f9519b-062b-4284-92c0-6d241ed0369b" providerId="ADAL" clId="{837A0EFE-727B-469C-A65E-5298C3FA34FC}" dt="2023-06-13T06:46:55.270" v="1840" actId="20577"/>
-          <ac:spMkLst>
-            <pc:docMk/>
-            <pc:sldMk cId="2769241721" sldId="282"/>
-            <ac:spMk id="13" creationId="{6C4A609F-B056-8D2E-7B28-F3B06829DFFE}"/>
-          </ac:spMkLst>
-        </pc:spChg>
-        <pc:picChg chg="add mod">
-          <ac:chgData name="Sylvain Torrenti" userId="90f9519b-062b-4284-92c0-6d241ed0369b" providerId="ADAL" clId="{837A0EFE-727B-469C-A65E-5298C3FA34FC}" dt="2023-06-13T06:47:09.951" v="1845" actId="1076"/>
-          <ac:picMkLst>
-            <pc:docMk/>
-            <pc:sldMk cId="2769241721" sldId="282"/>
-            <ac:picMk id="8" creationId="{B697F1D4-5F39-1CA8-595F-4A1005EA06BD}"/>
-          </ac:picMkLst>
-        </pc:picChg>
-        <pc:picChg chg="del">
-          <ac:chgData name="Sylvain Torrenti" userId="90f9519b-062b-4284-92c0-6d241ed0369b" providerId="ADAL" clId="{837A0EFE-727B-469C-A65E-5298C3FA34FC}" dt="2023-06-13T06:46:41.879" v="1818" actId="478"/>
-          <ac:picMkLst>
-            <pc:docMk/>
-            <pc:sldMk cId="2769241721" sldId="282"/>
-            <ac:picMk id="9" creationId="{35711C6F-F00C-65CA-6E01-0EAE92F63FD3}"/>
-          </ac:picMkLst>
-        </pc:picChg>
-      </pc:sldChg>
-      <pc:sldChg chg="addSp delSp modSp add mod modNotesTx">
-        <pc:chgData name="Sylvain Torrenti" userId="90f9519b-062b-4284-92c0-6d241ed0369b" providerId="ADAL" clId="{837A0EFE-727B-469C-A65E-5298C3FA34FC}" dt="2023-06-13T09:19:22.515" v="3735"/>
-        <pc:sldMkLst>
-          <pc:docMk/>
-          <pc:sldMk cId="3190115438" sldId="283"/>
-        </pc:sldMkLst>
-        <pc:spChg chg="mod">
-          <ac:chgData name="Sylvain Torrenti" userId="90f9519b-062b-4284-92c0-6d241ed0369b" providerId="ADAL" clId="{837A0EFE-727B-469C-A65E-5298C3FA34FC}" dt="2023-06-13T06:48:12.868" v="1894" actId="20577"/>
-          <ac:spMkLst>
-            <pc:docMk/>
-            <pc:sldMk cId="3190115438" sldId="283"/>
-            <ac:spMk id="13" creationId="{6C4A609F-B056-8D2E-7B28-F3B06829DFFE}"/>
-          </ac:spMkLst>
-        </pc:spChg>
-        <pc:picChg chg="del">
-          <ac:chgData name="Sylvain Torrenti" userId="90f9519b-062b-4284-92c0-6d241ed0369b" providerId="ADAL" clId="{837A0EFE-727B-469C-A65E-5298C3FA34FC}" dt="2023-06-13T06:48:00.708" v="1874" actId="478"/>
-          <ac:picMkLst>
-            <pc:docMk/>
-            <pc:sldMk cId="3190115438" sldId="283"/>
-            <ac:picMk id="8" creationId="{B697F1D4-5F39-1CA8-595F-4A1005EA06BD}"/>
-          </ac:picMkLst>
-        </pc:picChg>
-        <pc:picChg chg="add mod">
-          <ac:chgData name="Sylvain Torrenti" userId="90f9519b-062b-4284-92c0-6d241ed0369b" providerId="ADAL" clId="{837A0EFE-727B-469C-A65E-5298C3FA34FC}" dt="2023-06-13T06:48:20.461" v="1895" actId="14100"/>
-          <ac:picMkLst>
-            <pc:docMk/>
-            <pc:sldMk cId="3190115438" sldId="283"/>
-            <ac:picMk id="9" creationId="{0F9B7449-73FC-3F79-90BE-DA7CCF856904}"/>
-          </ac:picMkLst>
-        </pc:picChg>
-      </pc:sldChg>
-      <pc:sldChg chg="addSp delSp modSp add mod modNotesTx">
-        <pc:chgData name="Sylvain Torrenti" userId="90f9519b-062b-4284-92c0-6d241ed0369b" providerId="ADAL" clId="{837A0EFE-727B-469C-A65E-5298C3FA34FC}" dt="2023-06-13T09:19:24.551" v="3736"/>
-        <pc:sldMkLst>
-          <pc:docMk/>
-          <pc:sldMk cId="358654418" sldId="284"/>
-        </pc:sldMkLst>
-        <pc:spChg chg="mod">
-          <ac:chgData name="Sylvain Torrenti" userId="90f9519b-062b-4284-92c0-6d241ed0369b" providerId="ADAL" clId="{837A0EFE-727B-469C-A65E-5298C3FA34FC}" dt="2023-06-13T06:48:42.563" v="1911" actId="20577"/>
-          <ac:spMkLst>
-            <pc:docMk/>
-            <pc:sldMk cId="358654418" sldId="284"/>
-            <ac:spMk id="13" creationId="{6C4A609F-B056-8D2E-7B28-F3B06829DFFE}"/>
-          </ac:spMkLst>
-        </pc:spChg>
-        <pc:picChg chg="add mod">
-          <ac:chgData name="Sylvain Torrenti" userId="90f9519b-062b-4284-92c0-6d241ed0369b" providerId="ADAL" clId="{837A0EFE-727B-469C-A65E-5298C3FA34FC}" dt="2023-06-13T06:49:01.899" v="1918" actId="1076"/>
-          <ac:picMkLst>
-            <pc:docMk/>
-            <pc:sldMk cId="358654418" sldId="284"/>
-            <ac:picMk id="8" creationId="{5A6C27BE-4C64-5A18-32C1-7C1D6AB08CC2}"/>
-          </ac:picMkLst>
-        </pc:picChg>
-        <pc:picChg chg="del">
-          <ac:chgData name="Sylvain Torrenti" userId="90f9519b-062b-4284-92c0-6d241ed0369b" providerId="ADAL" clId="{837A0EFE-727B-469C-A65E-5298C3FA34FC}" dt="2023-06-13T06:48:53.795" v="1915" actId="478"/>
-          <ac:picMkLst>
-            <pc:docMk/>
-            <pc:sldMk cId="358654418" sldId="284"/>
-            <ac:picMk id="9" creationId="{0F9B7449-73FC-3F79-90BE-DA7CCF856904}"/>
-          </ac:picMkLst>
-        </pc:picChg>
-      </pc:sldChg>
-      <pc:sldChg chg="addSp delSp modSp add mod modNotesTx">
-        <pc:chgData name="Sylvain Torrenti" userId="90f9519b-062b-4284-92c0-6d241ed0369b" providerId="ADAL" clId="{837A0EFE-727B-469C-A65E-5298C3FA34FC}" dt="2023-06-13T09:19:27.203" v="3737"/>
-        <pc:sldMkLst>
-          <pc:docMk/>
-          <pc:sldMk cId="509701126" sldId="285"/>
-        </pc:sldMkLst>
-        <pc:spChg chg="mod">
-          <ac:chgData name="Sylvain Torrenti" userId="90f9519b-062b-4284-92c0-6d241ed0369b" providerId="ADAL" clId="{837A0EFE-727B-469C-A65E-5298C3FA34FC}" dt="2023-06-13T06:49:42.578" v="1952" actId="20577"/>
-          <ac:spMkLst>
-            <pc:docMk/>
-            <pc:sldMk cId="509701126" sldId="285"/>
-            <ac:spMk id="13" creationId="{6C4A609F-B056-8D2E-7B28-F3B06829DFFE}"/>
-          </ac:spMkLst>
-        </pc:spChg>
-        <pc:picChg chg="del">
-          <ac:chgData name="Sylvain Torrenti" userId="90f9519b-062b-4284-92c0-6d241ed0369b" providerId="ADAL" clId="{837A0EFE-727B-469C-A65E-5298C3FA34FC}" dt="2023-06-13T06:49:21.506" v="1920" actId="478"/>
-          <ac:picMkLst>
-            <pc:docMk/>
-            <pc:sldMk cId="509701126" sldId="285"/>
-            <ac:picMk id="8" creationId="{5A6C27BE-4C64-5A18-32C1-7C1D6AB08CC2}"/>
-          </ac:picMkLst>
-        </pc:picChg>
-        <pc:picChg chg="add mod">
-          <ac:chgData name="Sylvain Torrenti" userId="90f9519b-062b-4284-92c0-6d241ed0369b" providerId="ADAL" clId="{837A0EFE-727B-469C-A65E-5298C3FA34FC}" dt="2023-06-13T06:49:30.797" v="1924" actId="1076"/>
-          <ac:picMkLst>
-            <pc:docMk/>
-            <pc:sldMk cId="509701126" sldId="285"/>
-            <ac:picMk id="9" creationId="{EA6F3A96-03A4-0D37-85FB-7755106C6279}"/>
-          </ac:picMkLst>
-        </pc:picChg>
-      </pc:sldChg>
-      <pc:sldChg chg="addSp delSp modSp add mod modNotesTx">
-        <pc:chgData name="Sylvain Torrenti" userId="90f9519b-062b-4284-92c0-6d241ed0369b" providerId="ADAL" clId="{837A0EFE-727B-469C-A65E-5298C3FA34FC}" dt="2023-06-13T09:22:02.201" v="3850" actId="20577"/>
-        <pc:sldMkLst>
-          <pc:docMk/>
-          <pc:sldMk cId="1190333123" sldId="286"/>
-        </pc:sldMkLst>
-        <pc:spChg chg="mod">
-          <ac:chgData name="Sylvain Torrenti" userId="90f9519b-062b-4284-92c0-6d241ed0369b" providerId="ADAL" clId="{837A0EFE-727B-469C-A65E-5298C3FA34FC}" dt="2023-06-13T06:50:11.345" v="1967" actId="20577"/>
-          <ac:spMkLst>
-            <pc:docMk/>
-            <pc:sldMk cId="1190333123" sldId="286"/>
-            <ac:spMk id="7" creationId="{25755E7B-C4C0-863A-7023-633188E749F6}"/>
-          </ac:spMkLst>
-        </pc:spChg>
-        <pc:spChg chg="mod">
-          <ac:chgData name="Sylvain Torrenti" userId="90f9519b-062b-4284-92c0-6d241ed0369b" providerId="ADAL" clId="{837A0EFE-727B-469C-A65E-5298C3FA34FC}" dt="2023-06-13T07:55:57.996" v="2921" actId="20577"/>
-          <ac:spMkLst>
-            <pc:docMk/>
-            <pc:sldMk cId="1190333123" sldId="286"/>
-            <ac:spMk id="13" creationId="{6C4A609F-B056-8D2E-7B28-F3B06829DFFE}"/>
-          </ac:spMkLst>
-        </pc:spChg>
-        <pc:picChg chg="add mod">
-          <ac:chgData name="Sylvain Torrenti" userId="90f9519b-062b-4284-92c0-6d241ed0369b" providerId="ADAL" clId="{837A0EFE-727B-469C-A65E-5298C3FA34FC}" dt="2023-06-13T06:50:53.098" v="1996" actId="1076"/>
-          <ac:picMkLst>
-            <pc:docMk/>
-            <pc:sldMk cId="1190333123" sldId="286"/>
-            <ac:picMk id="8" creationId="{CA8B1156-C5CE-AD15-D658-49EDB8C66F9C}"/>
-          </ac:picMkLst>
-        </pc:picChg>
-        <pc:picChg chg="del">
-          <ac:chgData name="Sylvain Torrenti" userId="90f9519b-062b-4284-92c0-6d241ed0369b" providerId="ADAL" clId="{837A0EFE-727B-469C-A65E-5298C3FA34FC}" dt="2023-06-13T06:50:01.184" v="1954" actId="478"/>
-          <ac:picMkLst>
-            <pc:docMk/>
-            <pc:sldMk cId="1190333123" sldId="286"/>
-            <ac:picMk id="9" creationId="{EA6F3A96-03A4-0D37-85FB-7755106C6279}"/>
-          </ac:picMkLst>
-        </pc:picChg>
-      </pc:sldChg>
-      <pc:sldChg chg="addSp delSp modSp add mod modNotesTx">
-        <pc:chgData name="Sylvain Torrenti" userId="90f9519b-062b-4284-92c0-6d241ed0369b" providerId="ADAL" clId="{837A0EFE-727B-469C-A65E-5298C3FA34FC}" dt="2023-06-13T09:21:56.202" v="3844" actId="20577"/>
-        <pc:sldMkLst>
-          <pc:docMk/>
-          <pc:sldMk cId="647148344" sldId="287"/>
-        </pc:sldMkLst>
-        <pc:spChg chg="mod">
-          <ac:chgData name="Sylvain Torrenti" userId="90f9519b-062b-4284-92c0-6d241ed0369b" providerId="ADAL" clId="{837A0EFE-727B-469C-A65E-5298C3FA34FC}" dt="2023-06-13T06:51:51.216" v="2003" actId="20577"/>
-          <ac:spMkLst>
-            <pc:docMk/>
-            <pc:sldMk cId="647148344" sldId="287"/>
-            <ac:spMk id="7" creationId="{25755E7B-C4C0-863A-7023-633188E749F6}"/>
-          </ac:spMkLst>
-        </pc:spChg>
-        <pc:spChg chg="mod">
-          <ac:chgData name="Sylvain Torrenti" userId="90f9519b-062b-4284-92c0-6d241ed0369b" providerId="ADAL" clId="{837A0EFE-727B-469C-A65E-5298C3FA34FC}" dt="2023-06-13T06:51:57.569" v="2008" actId="20577"/>
-          <ac:spMkLst>
-            <pc:docMk/>
-            <pc:sldMk cId="647148344" sldId="287"/>
-            <ac:spMk id="13" creationId="{6C4A609F-B056-8D2E-7B28-F3B06829DFFE}"/>
-          </ac:spMkLst>
-        </pc:spChg>
-        <pc:picChg chg="del">
-          <ac:chgData name="Sylvain Torrenti" userId="90f9519b-062b-4284-92c0-6d241ed0369b" providerId="ADAL" clId="{837A0EFE-727B-469C-A65E-5298C3FA34FC}" dt="2023-06-13T06:51:43.025" v="1998" actId="478"/>
-          <ac:picMkLst>
-            <pc:docMk/>
-            <pc:sldMk cId="647148344" sldId="287"/>
-            <ac:picMk id="8" creationId="{CA8B1156-C5CE-AD15-D658-49EDB8C66F9C}"/>
-          </ac:picMkLst>
-        </pc:picChg>
-        <pc:picChg chg="add mod">
-          <ac:chgData name="Sylvain Torrenti" userId="90f9519b-062b-4284-92c0-6d241ed0369b" providerId="ADAL" clId="{837A0EFE-727B-469C-A65E-5298C3FA34FC}" dt="2023-06-13T06:54:43.127" v="2015" actId="1076"/>
-          <ac:picMkLst>
-            <pc:docMk/>
-            <pc:sldMk cId="647148344" sldId="287"/>
-            <ac:picMk id="9" creationId="{0EDFC0AF-83F4-21CD-41FC-224A10F2C47B}"/>
-          </ac:picMkLst>
-        </pc:picChg>
-      </pc:sldChg>
-      <pc:sldChg chg="modSp add mod modNotesTx">
-        <pc:chgData name="Sylvain Torrenti" userId="90f9519b-062b-4284-92c0-6d241ed0369b" providerId="ADAL" clId="{837A0EFE-727B-469C-A65E-5298C3FA34FC}" dt="2023-06-13T09:06:33.830" v="3203"/>
-        <pc:sldMkLst>
-          <pc:docMk/>
-          <pc:sldMk cId="1694873075" sldId="288"/>
-        </pc:sldMkLst>
-        <pc:spChg chg="mod">
-          <ac:chgData name="Sylvain Torrenti" userId="90f9519b-062b-4284-92c0-6d241ed0369b" providerId="ADAL" clId="{837A0EFE-727B-469C-A65E-5298C3FA34FC}" dt="2023-06-13T07:30:00.460" v="2448" actId="20577"/>
-          <ac:spMkLst>
-            <pc:docMk/>
-            <pc:sldMk cId="1694873075" sldId="288"/>
-            <ac:spMk id="3" creationId="{6F1111F0-B326-FD3F-3BB3-0C1E464AD786}"/>
-          </ac:spMkLst>
-        </pc:spChg>
-      </pc:sldChg>
-      <pc:sldChg chg="add del">
-        <pc:chgData name="Sylvain Torrenti" userId="90f9519b-062b-4284-92c0-6d241ed0369b" providerId="ADAL" clId="{837A0EFE-727B-469C-A65E-5298C3FA34FC}" dt="2023-06-13T06:57:44.232" v="2020" actId="47"/>
-        <pc:sldMkLst>
-          <pc:docMk/>
-          <pc:sldMk cId="1009546689" sldId="289"/>
-        </pc:sldMkLst>
-      </pc:sldChg>
-      <pc:sldChg chg="addSp delSp modSp add mod modNotesTx">
-        <pc:chgData name="Sylvain Torrenti" userId="90f9519b-062b-4284-92c0-6d241ed0369b" providerId="ADAL" clId="{837A0EFE-727B-469C-A65E-5298C3FA34FC}" dt="2023-06-13T09:22:31.450" v="3879" actId="20577"/>
-        <pc:sldMkLst>
-          <pc:docMk/>
-          <pc:sldMk cId="4066927535" sldId="289"/>
-        </pc:sldMkLst>
-        <pc:spChg chg="mod">
-          <ac:chgData name="Sylvain Torrenti" userId="90f9519b-062b-4284-92c0-6d241ed0369b" providerId="ADAL" clId="{837A0EFE-727B-469C-A65E-5298C3FA34FC}" dt="2023-06-13T06:58:41.535" v="2038" actId="20577"/>
-          <ac:spMkLst>
-            <pc:docMk/>
-            <pc:sldMk cId="4066927535" sldId="289"/>
-            <ac:spMk id="2" creationId="{2BAA3FB9-B037-67A9-EB48-5983AE70877D}"/>
-          </ac:spMkLst>
-        </pc:spChg>
-        <pc:spChg chg="mod">
-          <ac:chgData name="Sylvain Torrenti" userId="90f9519b-062b-4284-92c0-6d241ed0369b" providerId="ADAL" clId="{837A0EFE-727B-469C-A65E-5298C3FA34FC}" dt="2023-06-13T06:59:31.286" v="2051" actId="313"/>
-          <ac:spMkLst>
-            <pc:docMk/>
-            <pc:sldMk cId="4066927535" sldId="289"/>
-            <ac:spMk id="6" creationId="{A12976A9-8604-89D8-9307-4948E2D73D46}"/>
-          </ac:spMkLst>
-        </pc:spChg>
-        <pc:spChg chg="del mod">
-          <ac:chgData name="Sylvain Torrenti" userId="90f9519b-062b-4284-92c0-6d241ed0369b" providerId="ADAL" clId="{837A0EFE-727B-469C-A65E-5298C3FA34FC}" dt="2023-06-13T07:00:57.568" v="2063" actId="478"/>
-          <ac:spMkLst>
-            <pc:docMk/>
-            <pc:sldMk cId="4066927535" sldId="289"/>
-            <ac:spMk id="7" creationId="{25755E7B-C4C0-863A-7023-633188E749F6}"/>
-          </ac:spMkLst>
-        </pc:spChg>
-        <pc:spChg chg="mod">
-          <ac:chgData name="Sylvain Torrenti" userId="90f9519b-062b-4284-92c0-6d241ed0369b" providerId="ADAL" clId="{837A0EFE-727B-469C-A65E-5298C3FA34FC}" dt="2023-06-13T07:01:01.902" v="2071" actId="20577"/>
-          <ac:spMkLst>
-            <pc:docMk/>
-            <pc:sldMk cId="4066927535" sldId="289"/>
-            <ac:spMk id="13" creationId="{6C4A609F-B056-8D2E-7B28-F3B06829DFFE}"/>
-          </ac:spMkLst>
-        </pc:spChg>
-        <pc:picChg chg="add mod">
-          <ac:chgData name="Sylvain Torrenti" userId="90f9519b-062b-4284-92c0-6d241ed0369b" providerId="ADAL" clId="{837A0EFE-727B-469C-A65E-5298C3FA34FC}" dt="2023-06-13T07:00:22.918" v="2061" actId="1076"/>
-          <ac:picMkLst>
-            <pc:docMk/>
-            <pc:sldMk cId="4066927535" sldId="289"/>
-            <ac:picMk id="8" creationId="{E9A387B9-99A7-42FE-EA26-1512F8391956}"/>
-          </ac:picMkLst>
-        </pc:picChg>
-        <pc:picChg chg="del">
-          <ac:chgData name="Sylvain Torrenti" userId="90f9519b-062b-4284-92c0-6d241ed0369b" providerId="ADAL" clId="{837A0EFE-727B-469C-A65E-5298C3FA34FC}" dt="2023-06-13T06:58:44.559" v="2039" actId="478"/>
-          <ac:picMkLst>
-            <pc:docMk/>
-            <pc:sldMk cId="4066927535" sldId="289"/>
-            <ac:picMk id="9" creationId="{0EDFC0AF-83F4-21CD-41FC-224A10F2C47B}"/>
-          </ac:picMkLst>
-        </pc:picChg>
-      </pc:sldChg>
-      <pc:sldChg chg="addSp delSp modSp add mod modNotesTx">
-        <pc:chgData name="Sylvain Torrenti" userId="90f9519b-062b-4284-92c0-6d241ed0369b" providerId="ADAL" clId="{837A0EFE-727B-469C-A65E-5298C3FA34FC}" dt="2023-06-13T09:23:31.208" v="3899" actId="20577"/>
-        <pc:sldMkLst>
-          <pc:docMk/>
-          <pc:sldMk cId="2680578042" sldId="290"/>
-        </pc:sldMkLst>
-        <pc:spChg chg="del">
-          <ac:chgData name="Sylvain Torrenti" userId="90f9519b-062b-4284-92c0-6d241ed0369b" providerId="ADAL" clId="{837A0EFE-727B-469C-A65E-5298C3FA34FC}" dt="2023-06-13T07:01:06.224" v="2072" actId="478"/>
-          <ac:spMkLst>
-            <pc:docMk/>
-            <pc:sldMk cId="2680578042" sldId="290"/>
-            <ac:spMk id="7" creationId="{25755E7B-C4C0-863A-7023-633188E749F6}"/>
-          </ac:spMkLst>
-        </pc:spChg>
-        <pc:spChg chg="mod">
-          <ac:chgData name="Sylvain Torrenti" userId="90f9519b-062b-4284-92c0-6d241ed0369b" providerId="ADAL" clId="{837A0EFE-727B-469C-A65E-5298C3FA34FC}" dt="2023-06-13T07:01:27.277" v="2086" actId="20577"/>
-          <ac:spMkLst>
-            <pc:docMk/>
-            <pc:sldMk cId="2680578042" sldId="290"/>
-            <ac:spMk id="13" creationId="{6C4A609F-B056-8D2E-7B28-F3B06829DFFE}"/>
-          </ac:spMkLst>
-        </pc:spChg>
-        <pc:picChg chg="del">
-          <ac:chgData name="Sylvain Torrenti" userId="90f9519b-062b-4284-92c0-6d241ed0369b" providerId="ADAL" clId="{837A0EFE-727B-469C-A65E-5298C3FA34FC}" dt="2023-06-13T07:01:29.886" v="2087" actId="478"/>
-          <ac:picMkLst>
-            <pc:docMk/>
-            <pc:sldMk cId="2680578042" sldId="290"/>
-            <ac:picMk id="8" creationId="{E9A387B9-99A7-42FE-EA26-1512F8391956}"/>
-          </ac:picMkLst>
-        </pc:picChg>
-        <pc:picChg chg="add mod">
-          <ac:chgData name="Sylvain Torrenti" userId="90f9519b-062b-4284-92c0-6d241ed0369b" providerId="ADAL" clId="{837A0EFE-727B-469C-A65E-5298C3FA34FC}" dt="2023-06-13T07:01:52.277" v="2093" actId="1076"/>
-          <ac:picMkLst>
-            <pc:docMk/>
-            <pc:sldMk cId="2680578042" sldId="290"/>
-            <ac:picMk id="9" creationId="{74051132-54C4-2DF6-5F04-8F92A43A1EDC}"/>
-          </ac:picMkLst>
-        </pc:picChg>
-      </pc:sldChg>
-      <pc:sldChg chg="addSp delSp modSp add mod modNotesTx">
-        <pc:chgData name="Sylvain Torrenti" userId="90f9519b-062b-4284-92c0-6d241ed0369b" providerId="ADAL" clId="{837A0EFE-727B-469C-A65E-5298C3FA34FC}" dt="2023-06-13T09:23:37.966" v="3900"/>
-        <pc:sldMkLst>
-          <pc:docMk/>
-          <pc:sldMk cId="2475454033" sldId="291"/>
-        </pc:sldMkLst>
-        <pc:spChg chg="mod">
-          <ac:chgData name="Sylvain Torrenti" userId="90f9519b-062b-4284-92c0-6d241ed0369b" providerId="ADAL" clId="{837A0EFE-727B-469C-A65E-5298C3FA34FC}" dt="2023-06-13T07:02:12.414" v="2101" actId="20577"/>
-          <ac:spMkLst>
-            <pc:docMk/>
-            <pc:sldMk cId="2475454033" sldId="291"/>
-            <ac:spMk id="13" creationId="{6C4A609F-B056-8D2E-7B28-F3B06829DFFE}"/>
-          </ac:spMkLst>
-        </pc:spChg>
-        <pc:picChg chg="add mod">
-          <ac:chgData name="Sylvain Torrenti" userId="90f9519b-062b-4284-92c0-6d241ed0369b" providerId="ADAL" clId="{837A0EFE-727B-469C-A65E-5298C3FA34FC}" dt="2023-06-13T07:02:46.091" v="2111" actId="1076"/>
-          <ac:picMkLst>
-            <pc:docMk/>
-            <pc:sldMk cId="2475454033" sldId="291"/>
-            <ac:picMk id="7" creationId="{CDEEA3B3-7905-DD72-D58A-D81BA12BF58C}"/>
-          </ac:picMkLst>
-        </pc:picChg>
-        <pc:picChg chg="del">
-          <ac:chgData name="Sylvain Torrenti" userId="90f9519b-062b-4284-92c0-6d241ed0369b" providerId="ADAL" clId="{837A0EFE-727B-469C-A65E-5298C3FA34FC}" dt="2023-06-13T07:02:18.286" v="2102" actId="478"/>
-          <ac:picMkLst>
-            <pc:docMk/>
-            <pc:sldMk cId="2475454033" sldId="291"/>
-            <ac:picMk id="9" creationId="{74051132-54C4-2DF6-5F04-8F92A43A1EDC}"/>
-          </ac:picMkLst>
-        </pc:picChg>
-      </pc:sldChg>
-      <pc:sldChg chg="addSp delSp modSp add mod modNotesTx">
-        <pc:chgData name="Sylvain Torrenti" userId="90f9519b-062b-4284-92c0-6d241ed0369b" providerId="ADAL" clId="{837A0EFE-727B-469C-A65E-5298C3FA34FC}" dt="2023-06-13T09:23:42.305" v="3901"/>
-        <pc:sldMkLst>
-          <pc:docMk/>
-          <pc:sldMk cId="783633915" sldId="292"/>
-        </pc:sldMkLst>
-        <pc:spChg chg="mod">
-          <ac:chgData name="Sylvain Torrenti" userId="90f9519b-062b-4284-92c0-6d241ed0369b" providerId="ADAL" clId="{837A0EFE-727B-469C-A65E-5298C3FA34FC}" dt="2023-06-13T07:56:12.190" v="2925" actId="20577"/>
-          <ac:spMkLst>
-            <pc:docMk/>
-            <pc:sldMk cId="783633915" sldId="292"/>
-            <ac:spMk id="13" creationId="{6C4A609F-B056-8D2E-7B28-F3B06829DFFE}"/>
-          </ac:spMkLst>
-        </pc:spChg>
-        <pc:picChg chg="del">
-          <ac:chgData name="Sylvain Torrenti" userId="90f9519b-062b-4284-92c0-6d241ed0369b" providerId="ADAL" clId="{837A0EFE-727B-469C-A65E-5298C3FA34FC}" dt="2023-06-13T07:03:22.334" v="2129" actId="478"/>
-          <ac:picMkLst>
-            <pc:docMk/>
-            <pc:sldMk cId="783633915" sldId="292"/>
-            <ac:picMk id="7" creationId="{CDEEA3B3-7905-DD72-D58A-D81BA12BF58C}"/>
-          </ac:picMkLst>
-        </pc:picChg>
-        <pc:picChg chg="add mod">
-          <ac:chgData name="Sylvain Torrenti" userId="90f9519b-062b-4284-92c0-6d241ed0369b" providerId="ADAL" clId="{837A0EFE-727B-469C-A65E-5298C3FA34FC}" dt="2023-06-13T07:03:48.166" v="2136" actId="1076"/>
-          <ac:picMkLst>
-            <pc:docMk/>
-            <pc:sldMk cId="783633915" sldId="292"/>
-            <ac:picMk id="8" creationId="{BDB2E24D-F554-5E4D-8535-69402211C880}"/>
-          </ac:picMkLst>
-        </pc:picChg>
-      </pc:sldChg>
-      <pc:sldChg chg="new del">
-        <pc:chgData name="Sylvain Torrenti" userId="90f9519b-062b-4284-92c0-6d241ed0369b" providerId="ADAL" clId="{837A0EFE-727B-469C-A65E-5298C3FA34FC}" dt="2023-06-13T07:02:23.963" v="2104" actId="47"/>
-        <pc:sldMkLst>
-          <pc:docMk/>
-          <pc:sldMk cId="1235503142" sldId="292"/>
-        </pc:sldMkLst>
-      </pc:sldChg>
-      <pc:sldChg chg="addSp delSp modSp add mod modNotesTx">
-        <pc:chgData name="Sylvain Torrenti" userId="90f9519b-062b-4284-92c0-6d241ed0369b" providerId="ADAL" clId="{837A0EFE-727B-469C-A65E-5298C3FA34FC}" dt="2023-06-13T09:23:54.368" v="3902"/>
-        <pc:sldMkLst>
-          <pc:docMk/>
-          <pc:sldMk cId="3362092241" sldId="293"/>
-        </pc:sldMkLst>
-        <pc:spChg chg="mod">
-          <ac:chgData name="Sylvain Torrenti" userId="90f9519b-062b-4284-92c0-6d241ed0369b" providerId="ADAL" clId="{837A0EFE-727B-469C-A65E-5298C3FA34FC}" dt="2023-06-13T07:56:20.077" v="2929" actId="20577"/>
-          <ac:spMkLst>
-            <pc:docMk/>
-            <pc:sldMk cId="3362092241" sldId="293"/>
-            <ac:spMk id="13" creationId="{6C4A609F-B056-8D2E-7B28-F3B06829DFFE}"/>
-          </ac:spMkLst>
-        </pc:spChg>
-        <pc:picChg chg="add mod">
-          <ac:chgData name="Sylvain Torrenti" userId="90f9519b-062b-4284-92c0-6d241ed0369b" providerId="ADAL" clId="{837A0EFE-727B-469C-A65E-5298C3FA34FC}" dt="2023-06-13T07:05:16.611" v="2202" actId="1076"/>
-          <ac:picMkLst>
-            <pc:docMk/>
-            <pc:sldMk cId="3362092241" sldId="293"/>
-            <ac:picMk id="7" creationId="{A5E65455-2695-580B-4DBB-C03A0484AB42}"/>
-          </ac:picMkLst>
-        </pc:picChg>
-        <pc:picChg chg="del">
-          <ac:chgData name="Sylvain Torrenti" userId="90f9519b-062b-4284-92c0-6d241ed0369b" providerId="ADAL" clId="{837A0EFE-727B-469C-A65E-5298C3FA34FC}" dt="2023-06-13T07:04:37.773" v="2178" actId="478"/>
-          <ac:picMkLst>
-            <pc:docMk/>
-            <pc:sldMk cId="3362092241" sldId="293"/>
-            <ac:picMk id="8" creationId="{BDB2E24D-F554-5E4D-8535-69402211C880}"/>
-          </ac:picMkLst>
-        </pc:picChg>
-      </pc:sldChg>
-      <pc:sldChg chg="modSp add mod modNotesTx">
-        <pc:chgData name="Sylvain Torrenti" userId="90f9519b-062b-4284-92c0-6d241ed0369b" providerId="ADAL" clId="{837A0EFE-727B-469C-A65E-5298C3FA34FC}" dt="2023-06-13T09:06:38.438" v="3204"/>
-        <pc:sldMkLst>
-          <pc:docMk/>
-          <pc:sldMk cId="1575178841" sldId="294"/>
-        </pc:sldMkLst>
-        <pc:spChg chg="mod">
-          <ac:chgData name="Sylvain Torrenti" userId="90f9519b-062b-4284-92c0-6d241ed0369b" providerId="ADAL" clId="{837A0EFE-727B-469C-A65E-5298C3FA34FC}" dt="2023-06-13T07:29:54.187" v="2446" actId="20577"/>
-          <ac:spMkLst>
-            <pc:docMk/>
-            <pc:sldMk cId="1575178841" sldId="294"/>
-            <ac:spMk id="3" creationId="{6F1111F0-B326-FD3F-3BB3-0C1E464AD786}"/>
-          </ac:spMkLst>
-        </pc:spChg>
-      </pc:sldChg>
-      <pc:sldChg chg="addSp delSp modSp add mod modNotesTx">
-        <pc:chgData name="Sylvain Torrenti" userId="90f9519b-062b-4284-92c0-6d241ed0369b" providerId="ADAL" clId="{837A0EFE-727B-469C-A65E-5298C3FA34FC}" dt="2023-06-13T09:24:34.058" v="3956" actId="20577"/>
-        <pc:sldMkLst>
-          <pc:docMk/>
-          <pc:sldMk cId="103869732" sldId="295"/>
-        </pc:sldMkLst>
-        <pc:spChg chg="mod">
-          <ac:chgData name="Sylvain Torrenti" userId="90f9519b-062b-4284-92c0-6d241ed0369b" providerId="ADAL" clId="{837A0EFE-727B-469C-A65E-5298C3FA34FC}" dt="2023-06-13T07:53:29.877" v="2902" actId="20577"/>
-          <ac:spMkLst>
-            <pc:docMk/>
-            <pc:sldMk cId="103869732" sldId="295"/>
-            <ac:spMk id="2" creationId="{2BAA3FB9-B037-67A9-EB48-5983AE70877D}"/>
-          </ac:spMkLst>
-        </pc:spChg>
-        <pc:spChg chg="add mod">
-          <ac:chgData name="Sylvain Torrenti" userId="90f9519b-062b-4284-92c0-6d241ed0369b" providerId="ADAL" clId="{837A0EFE-727B-469C-A65E-5298C3FA34FC}" dt="2023-06-13T07:08:21.721" v="2240" actId="20577"/>
-          <ac:spMkLst>
-            <pc:docMk/>
-            <pc:sldMk cId="103869732" sldId="295"/>
-            <ac:spMk id="3" creationId="{592D6831-93C2-369B-6819-5D5F42F0E7A0}"/>
-          </ac:spMkLst>
-        </pc:spChg>
-        <pc:spChg chg="mod">
-          <ac:chgData name="Sylvain Torrenti" userId="90f9519b-062b-4284-92c0-6d241ed0369b" providerId="ADAL" clId="{837A0EFE-727B-469C-A65E-5298C3FA34FC}" dt="2023-06-13T07:07:41.243" v="2226" actId="20577"/>
-          <ac:spMkLst>
-            <pc:docMk/>
-            <pc:sldMk cId="103869732" sldId="295"/>
-            <ac:spMk id="6" creationId="{A12976A9-8604-89D8-9307-4948E2D73D46}"/>
-          </ac:spMkLst>
-        </pc:spChg>
-        <pc:spChg chg="del">
-          <ac:chgData name="Sylvain Torrenti" userId="90f9519b-062b-4284-92c0-6d241ed0369b" providerId="ADAL" clId="{837A0EFE-727B-469C-A65E-5298C3FA34FC}" dt="2023-06-13T07:07:44.842" v="2228" actId="478"/>
-          <ac:spMkLst>
-            <pc:docMk/>
-            <pc:sldMk cId="103869732" sldId="295"/>
-            <ac:spMk id="9" creationId="{F27A14AB-BEFD-0F1A-602A-8520AA675C2B}"/>
-          </ac:spMkLst>
-        </pc:spChg>
-        <pc:spChg chg="del mod">
-          <ac:chgData name="Sylvain Torrenti" userId="90f9519b-062b-4284-92c0-6d241ed0369b" providerId="ADAL" clId="{837A0EFE-727B-469C-A65E-5298C3FA34FC}" dt="2023-06-13T07:07:47.002" v="2230" actId="478"/>
-          <ac:spMkLst>
-            <pc:docMk/>
-            <pc:sldMk cId="103869732" sldId="295"/>
-            <ac:spMk id="10" creationId="{55960403-4AE1-4112-CE57-0ED87E9F5860}"/>
-          </ac:spMkLst>
-        </pc:spChg>
-        <pc:spChg chg="del">
-          <ac:chgData name="Sylvain Torrenti" userId="90f9519b-062b-4284-92c0-6d241ed0369b" providerId="ADAL" clId="{837A0EFE-727B-469C-A65E-5298C3FA34FC}" dt="2023-06-13T07:07:48.202" v="2231" actId="478"/>
-          <ac:spMkLst>
-            <pc:docMk/>
-            <pc:sldMk cId="103869732" sldId="295"/>
-            <ac:spMk id="11" creationId="{86DD146B-4C39-E23B-1B18-BD2812568B12}"/>
-          </ac:spMkLst>
-        </pc:spChg>
-        <pc:picChg chg="del">
-          <ac:chgData name="Sylvain Torrenti" userId="90f9519b-062b-4284-92c0-6d241ed0369b" providerId="ADAL" clId="{837A0EFE-727B-469C-A65E-5298C3FA34FC}" dt="2023-06-13T07:07:43.195" v="2227" actId="478"/>
-          <ac:picMkLst>
-            <pc:docMk/>
-            <pc:sldMk cId="103869732" sldId="295"/>
-            <ac:picMk id="8" creationId="{C42D3276-5F5B-12CF-BD0E-5351F5DB813D}"/>
-          </ac:picMkLst>
-        </pc:picChg>
-        <pc:picChg chg="add mod">
-          <ac:chgData name="Sylvain Torrenti" userId="90f9519b-062b-4284-92c0-6d241ed0369b" providerId="ADAL" clId="{837A0EFE-727B-469C-A65E-5298C3FA34FC}" dt="2023-06-13T07:08:40.163" v="2243" actId="1076"/>
-          <ac:picMkLst>
-            <pc:docMk/>
-            <pc:sldMk cId="103869732" sldId="295"/>
-            <ac:picMk id="12" creationId="{0088B8B6-19D0-378C-E9C7-82AA98286D41}"/>
-          </ac:picMkLst>
-        </pc:picChg>
-      </pc:sldChg>
-      <pc:sldChg chg="addSp delSp modSp add mod modNotesTx">
-        <pc:chgData name="Sylvain Torrenti" userId="90f9519b-062b-4284-92c0-6d241ed0369b" providerId="ADAL" clId="{837A0EFE-727B-469C-A65E-5298C3FA34FC}" dt="2023-06-13T09:24:39.759" v="3957"/>
-        <pc:sldMkLst>
-          <pc:docMk/>
-          <pc:sldMk cId="369496672" sldId="296"/>
-        </pc:sldMkLst>
-        <pc:spChg chg="mod">
-          <ac:chgData name="Sylvain Torrenti" userId="90f9519b-062b-4284-92c0-6d241ed0369b" providerId="ADAL" clId="{837A0EFE-727B-469C-A65E-5298C3FA34FC}" dt="2023-06-13T07:53:36.961" v="2903" actId="20577"/>
-          <ac:spMkLst>
-            <pc:docMk/>
-            <pc:sldMk cId="369496672" sldId="296"/>
-            <ac:spMk id="2" creationId="{2BAA3FB9-B037-67A9-EB48-5983AE70877D}"/>
-          </ac:spMkLst>
-        </pc:spChg>
-        <pc:spChg chg="mod">
-          <ac:chgData name="Sylvain Torrenti" userId="90f9519b-062b-4284-92c0-6d241ed0369b" providerId="ADAL" clId="{837A0EFE-727B-469C-A65E-5298C3FA34FC}" dt="2023-06-13T07:56:45.165" v="2942" actId="20577"/>
-          <ac:spMkLst>
-            <pc:docMk/>
-            <pc:sldMk cId="369496672" sldId="296"/>
-            <ac:spMk id="3" creationId="{592D6831-93C2-369B-6819-5D5F42F0E7A0}"/>
-          </ac:spMkLst>
-        </pc:spChg>
-        <pc:picChg chg="add mod">
-          <ac:chgData name="Sylvain Torrenti" userId="90f9519b-062b-4284-92c0-6d241ed0369b" providerId="ADAL" clId="{837A0EFE-727B-469C-A65E-5298C3FA34FC}" dt="2023-06-13T07:09:50.403" v="2268" actId="1076"/>
-          <ac:picMkLst>
-            <pc:docMk/>
-            <pc:sldMk cId="369496672" sldId="296"/>
-            <ac:picMk id="8" creationId="{2A362272-FC2E-9CAE-DB9E-3A3FF3AD021B}"/>
-          </ac:picMkLst>
-        </pc:picChg>
-        <pc:picChg chg="del">
-          <ac:chgData name="Sylvain Torrenti" userId="90f9519b-062b-4284-92c0-6d241ed0369b" providerId="ADAL" clId="{837A0EFE-727B-469C-A65E-5298C3FA34FC}" dt="2023-06-13T07:09:23.674" v="2263" actId="478"/>
-          <ac:picMkLst>
-            <pc:docMk/>
-            <pc:sldMk cId="369496672" sldId="296"/>
-            <ac:picMk id="12" creationId="{0088B8B6-19D0-378C-E9C7-82AA98286D41}"/>
-          </ac:picMkLst>
-        </pc:picChg>
-      </pc:sldChg>
-      <pc:sldChg chg="addSp delSp modSp add mod modNotesTx">
-        <pc:chgData name="Sylvain Torrenti" userId="90f9519b-062b-4284-92c0-6d241ed0369b" providerId="ADAL" clId="{837A0EFE-727B-469C-A65E-5298C3FA34FC}" dt="2023-06-13T09:24:43.213" v="3958"/>
-        <pc:sldMkLst>
-          <pc:docMk/>
-          <pc:sldMk cId="1340915329" sldId="297"/>
-        </pc:sldMkLst>
-        <pc:spChg chg="mod">
-          <ac:chgData name="Sylvain Torrenti" userId="90f9519b-062b-4284-92c0-6d241ed0369b" providerId="ADAL" clId="{837A0EFE-727B-469C-A65E-5298C3FA34FC}" dt="2023-06-13T07:53:40.191" v="2904" actId="20577"/>
-          <ac:spMkLst>
-            <pc:docMk/>
-            <pc:sldMk cId="1340915329" sldId="297"/>
-            <ac:spMk id="2" creationId="{2BAA3FB9-B037-67A9-EB48-5983AE70877D}"/>
-          </ac:spMkLst>
-        </pc:spChg>
-        <pc:spChg chg="mod">
-          <ac:chgData name="Sylvain Torrenti" userId="90f9519b-062b-4284-92c0-6d241ed0369b" providerId="ADAL" clId="{837A0EFE-727B-469C-A65E-5298C3FA34FC}" dt="2023-06-13T07:56:49.117" v="2944" actId="20577"/>
-          <ac:spMkLst>
-            <pc:docMk/>
-            <pc:sldMk cId="1340915329" sldId="297"/>
-            <ac:spMk id="3" creationId="{592D6831-93C2-369B-6819-5D5F42F0E7A0}"/>
-          </ac:spMkLst>
-        </pc:spChg>
-        <pc:picChg chg="del">
-          <ac:chgData name="Sylvain Torrenti" userId="90f9519b-062b-4284-92c0-6d241ed0369b" providerId="ADAL" clId="{837A0EFE-727B-469C-A65E-5298C3FA34FC}" dt="2023-06-13T07:10:13.484" v="2277" actId="478"/>
-          <ac:picMkLst>
-            <pc:docMk/>
-            <pc:sldMk cId="1340915329" sldId="297"/>
-            <ac:picMk id="8" creationId="{2A362272-FC2E-9CAE-DB9E-3A3FF3AD021B}"/>
-          </ac:picMkLst>
-        </pc:picChg>
-        <pc:picChg chg="add mod">
-          <ac:chgData name="Sylvain Torrenti" userId="90f9519b-062b-4284-92c0-6d241ed0369b" providerId="ADAL" clId="{837A0EFE-727B-469C-A65E-5298C3FA34FC}" dt="2023-06-13T07:10:32.817" v="2281" actId="1076"/>
-          <ac:picMkLst>
-            <pc:docMk/>
-            <pc:sldMk cId="1340915329" sldId="297"/>
-            <ac:picMk id="9" creationId="{AB21CBBB-BCDC-ACDC-7AAB-E4AAAD25237D}"/>
-          </ac:picMkLst>
-        </pc:picChg>
-      </pc:sldChg>
-      <pc:sldChg chg="addSp delSp modSp add mod modNotesTx">
-        <pc:chgData name="Sylvain Torrenti" userId="90f9519b-062b-4284-92c0-6d241ed0369b" providerId="ADAL" clId="{837A0EFE-727B-469C-A65E-5298C3FA34FC}" dt="2023-06-13T09:24:47.536" v="3959"/>
-        <pc:sldMkLst>
-          <pc:docMk/>
-          <pc:sldMk cId="3158731093" sldId="298"/>
-        </pc:sldMkLst>
-        <pc:spChg chg="mod">
-          <ac:chgData name="Sylvain Torrenti" userId="90f9519b-062b-4284-92c0-6d241ed0369b" providerId="ADAL" clId="{837A0EFE-727B-469C-A65E-5298C3FA34FC}" dt="2023-06-13T07:53:43.550" v="2905" actId="20577"/>
-          <ac:spMkLst>
-            <pc:docMk/>
-            <pc:sldMk cId="3158731093" sldId="298"/>
-            <ac:spMk id="2" creationId="{2BAA3FB9-B037-67A9-EB48-5983AE70877D}"/>
-          </ac:spMkLst>
-        </pc:spChg>
-        <pc:spChg chg="mod">
-          <ac:chgData name="Sylvain Torrenti" userId="90f9519b-062b-4284-92c0-6d241ed0369b" providerId="ADAL" clId="{837A0EFE-727B-469C-A65E-5298C3FA34FC}" dt="2023-06-13T07:16:16.612" v="2291" actId="20577"/>
-          <ac:spMkLst>
-            <pc:docMk/>
-            <pc:sldMk cId="3158731093" sldId="298"/>
-            <ac:spMk id="3" creationId="{592D6831-93C2-369B-6819-5D5F42F0E7A0}"/>
-          </ac:spMkLst>
-        </pc:spChg>
-        <pc:picChg chg="add mod">
-          <ac:chgData name="Sylvain Torrenti" userId="90f9519b-062b-4284-92c0-6d241ed0369b" providerId="ADAL" clId="{837A0EFE-727B-469C-A65E-5298C3FA34FC}" dt="2023-06-13T07:16:38.032" v="2297" actId="1076"/>
-          <ac:picMkLst>
-            <pc:docMk/>
-            <pc:sldMk cId="3158731093" sldId="298"/>
-            <ac:picMk id="8" creationId="{6F800595-4F6A-C2E1-0310-14A8A5208E0B}"/>
-          </ac:picMkLst>
-        </pc:picChg>
-        <pc:picChg chg="del">
-          <ac:chgData name="Sylvain Torrenti" userId="90f9519b-062b-4284-92c0-6d241ed0369b" providerId="ADAL" clId="{837A0EFE-727B-469C-A65E-5298C3FA34FC}" dt="2023-06-13T07:16:19.141" v="2292" actId="478"/>
-          <ac:picMkLst>
-            <pc:docMk/>
-            <pc:sldMk cId="3158731093" sldId="298"/>
-            <ac:picMk id="9" creationId="{AB21CBBB-BCDC-ACDC-7AAB-E4AAAD25237D}"/>
-          </ac:picMkLst>
-        </pc:picChg>
-      </pc:sldChg>
-      <pc:sldChg chg="modSp add mod modNotesTx">
-        <pc:chgData name="Sylvain Torrenti" userId="90f9519b-062b-4284-92c0-6d241ed0369b" providerId="ADAL" clId="{837A0EFE-727B-469C-A65E-5298C3FA34FC}" dt="2023-06-13T09:06:42.230" v="3205"/>
-        <pc:sldMkLst>
-          <pc:docMk/>
-          <pc:sldMk cId="3184475339" sldId="299"/>
-        </pc:sldMkLst>
-        <pc:spChg chg="mod">
-          <ac:chgData name="Sylvain Torrenti" userId="90f9519b-062b-4284-92c0-6d241ed0369b" providerId="ADAL" clId="{837A0EFE-727B-469C-A65E-5298C3FA34FC}" dt="2023-06-13T07:29:48.173" v="2444" actId="20577"/>
-          <ac:spMkLst>
-            <pc:docMk/>
-            <pc:sldMk cId="3184475339" sldId="299"/>
-            <ac:spMk id="3" creationId="{6F1111F0-B326-FD3F-3BB3-0C1E464AD786}"/>
-          </ac:spMkLst>
-        </pc:spChg>
-      </pc:sldChg>
-      <pc:sldChg chg="addSp delSp modSp add mod modNotesTx">
-        <pc:chgData name="Sylvain Torrenti" userId="90f9519b-062b-4284-92c0-6d241ed0369b" providerId="ADAL" clId="{837A0EFE-727B-469C-A65E-5298C3FA34FC}" dt="2023-06-13T09:25:18.147" v="3967"/>
-        <pc:sldMkLst>
-          <pc:docMk/>
-          <pc:sldMk cId="1659920565" sldId="300"/>
-        </pc:sldMkLst>
-        <pc:spChg chg="mod">
-          <ac:chgData name="Sylvain Torrenti" userId="90f9519b-062b-4284-92c0-6d241ed0369b" providerId="ADAL" clId="{837A0EFE-727B-469C-A65E-5298C3FA34FC}" dt="2023-06-13T07:53:47.230" v="2906" actId="20577"/>
-          <ac:spMkLst>
-            <pc:docMk/>
-            <pc:sldMk cId="1659920565" sldId="300"/>
-            <ac:spMk id="2" creationId="{2BAA3FB9-B037-67A9-EB48-5983AE70877D}"/>
-          </ac:spMkLst>
-        </pc:spChg>
-        <pc:spChg chg="mod">
-          <ac:chgData name="Sylvain Torrenti" userId="90f9519b-062b-4284-92c0-6d241ed0369b" providerId="ADAL" clId="{837A0EFE-727B-469C-A65E-5298C3FA34FC}" dt="2023-06-13T07:18:15.731" v="2340" actId="20577"/>
-          <ac:spMkLst>
-            <pc:docMk/>
-            <pc:sldMk cId="1659920565" sldId="300"/>
-            <ac:spMk id="3" creationId="{592D6831-93C2-369B-6819-5D5F42F0E7A0}"/>
-          </ac:spMkLst>
-        </pc:spChg>
-        <pc:spChg chg="mod">
-          <ac:chgData name="Sylvain Torrenti" userId="90f9519b-062b-4284-92c0-6d241ed0369b" providerId="ADAL" clId="{837A0EFE-727B-469C-A65E-5298C3FA34FC}" dt="2023-06-13T07:17:37.284" v="2332" actId="20577"/>
-          <ac:spMkLst>
-            <pc:docMk/>
-            <pc:sldMk cId="1659920565" sldId="300"/>
-            <ac:spMk id="6" creationId="{A12976A9-8604-89D8-9307-4948E2D73D46}"/>
-          </ac:spMkLst>
-        </pc:spChg>
-        <pc:picChg chg="del">
-          <ac:chgData name="Sylvain Torrenti" userId="90f9519b-062b-4284-92c0-6d241ed0369b" providerId="ADAL" clId="{837A0EFE-727B-469C-A65E-5298C3FA34FC}" dt="2023-06-13T07:18:18.645" v="2341" actId="478"/>
-          <ac:picMkLst>
-            <pc:docMk/>
-            <pc:sldMk cId="1659920565" sldId="300"/>
-            <ac:picMk id="8" creationId="{6F800595-4F6A-C2E1-0310-14A8A5208E0B}"/>
-          </ac:picMkLst>
-        </pc:picChg>
-        <pc:picChg chg="add mod">
-          <ac:chgData name="Sylvain Torrenti" userId="90f9519b-062b-4284-92c0-6d241ed0369b" providerId="ADAL" clId="{837A0EFE-727B-469C-A65E-5298C3FA34FC}" dt="2023-06-13T07:18:33.662" v="2345" actId="1076"/>
-          <ac:picMkLst>
-            <pc:docMk/>
-            <pc:sldMk cId="1659920565" sldId="300"/>
-            <ac:picMk id="9" creationId="{D18906C6-7083-4D96-AD0E-5F583A0BEE49}"/>
-          </ac:picMkLst>
-        </pc:picChg>
-      </pc:sldChg>
-      <pc:sldChg chg="addSp delSp modSp add mod modNotesTx">
-        <pc:chgData name="Sylvain Torrenti" userId="90f9519b-062b-4284-92c0-6d241ed0369b" providerId="ADAL" clId="{837A0EFE-727B-469C-A65E-5298C3FA34FC}" dt="2023-06-13T09:24:52.610" v="3960"/>
-        <pc:sldMkLst>
-          <pc:docMk/>
-          <pc:sldMk cId="3566878624" sldId="301"/>
-        </pc:sldMkLst>
-        <pc:spChg chg="mod">
-          <ac:chgData name="Sylvain Torrenti" userId="90f9519b-062b-4284-92c0-6d241ed0369b" providerId="ADAL" clId="{837A0EFE-727B-469C-A65E-5298C3FA34FC}" dt="2023-06-13T07:53:51.981" v="2907" actId="20577"/>
-          <ac:spMkLst>
-            <pc:docMk/>
-            <pc:sldMk cId="3566878624" sldId="301"/>
-            <ac:spMk id="2" creationId="{2BAA3FB9-B037-67A9-EB48-5983AE70877D}"/>
-          </ac:spMkLst>
-        </pc:spChg>
-        <pc:spChg chg="mod">
-          <ac:chgData name="Sylvain Torrenti" userId="90f9519b-062b-4284-92c0-6d241ed0369b" providerId="ADAL" clId="{837A0EFE-727B-469C-A65E-5298C3FA34FC}" dt="2023-06-13T07:19:05.908" v="2365" actId="20577"/>
-          <ac:spMkLst>
-            <pc:docMk/>
-            <pc:sldMk cId="3566878624" sldId="301"/>
-            <ac:spMk id="3" creationId="{592D6831-93C2-369B-6819-5D5F42F0E7A0}"/>
-          </ac:spMkLst>
-        </pc:spChg>
-        <pc:picChg chg="add mod">
-          <ac:chgData name="Sylvain Torrenti" userId="90f9519b-062b-4284-92c0-6d241ed0369b" providerId="ADAL" clId="{837A0EFE-727B-469C-A65E-5298C3FA34FC}" dt="2023-06-13T07:19:29.585" v="2369" actId="1076"/>
-          <ac:picMkLst>
-            <pc:docMk/>
-            <pc:sldMk cId="3566878624" sldId="301"/>
-            <ac:picMk id="8" creationId="{4E8BD0D4-434E-528A-C6EF-5BEA461218CF}"/>
-          </ac:picMkLst>
-        </pc:picChg>
-        <pc:picChg chg="del">
-          <ac:chgData name="Sylvain Torrenti" userId="90f9519b-062b-4284-92c0-6d241ed0369b" providerId="ADAL" clId="{837A0EFE-727B-469C-A65E-5298C3FA34FC}" dt="2023-06-13T07:18:48.070" v="2347" actId="478"/>
-          <ac:picMkLst>
-            <pc:docMk/>
-            <pc:sldMk cId="3566878624" sldId="301"/>
-            <ac:picMk id="9" creationId="{D18906C6-7083-4D96-AD0E-5F583A0BEE49}"/>
-          </ac:picMkLst>
-        </pc:picChg>
-      </pc:sldChg>
-      <pc:sldChg chg="addSp delSp modSp add mod modNotesTx">
-        <pc:chgData name="Sylvain Torrenti" userId="90f9519b-062b-4284-92c0-6d241ed0369b" providerId="ADAL" clId="{837A0EFE-727B-469C-A65E-5298C3FA34FC}" dt="2023-06-13T09:24:54.381" v="3961"/>
-        <pc:sldMkLst>
-          <pc:docMk/>
-          <pc:sldMk cId="1172097341" sldId="302"/>
-        </pc:sldMkLst>
-        <pc:spChg chg="mod">
-          <ac:chgData name="Sylvain Torrenti" userId="90f9519b-062b-4284-92c0-6d241ed0369b" providerId="ADAL" clId="{837A0EFE-727B-469C-A65E-5298C3FA34FC}" dt="2023-06-13T07:53:54.416" v="2908" actId="20577"/>
-          <ac:spMkLst>
-            <pc:docMk/>
-            <pc:sldMk cId="1172097341" sldId="302"/>
-            <ac:spMk id="2" creationId="{2BAA3FB9-B037-67A9-EB48-5983AE70877D}"/>
-          </ac:spMkLst>
-        </pc:spChg>
-        <pc:spChg chg="mod">
-          <ac:chgData name="Sylvain Torrenti" userId="90f9519b-062b-4284-92c0-6d241ed0369b" providerId="ADAL" clId="{837A0EFE-727B-469C-A65E-5298C3FA34FC}" dt="2023-06-13T07:20:21.764" v="2375" actId="20577"/>
-          <ac:spMkLst>
-            <pc:docMk/>
-            <pc:sldMk cId="1172097341" sldId="302"/>
-            <ac:spMk id="3" creationId="{592D6831-93C2-369B-6819-5D5F42F0E7A0}"/>
-          </ac:spMkLst>
-        </pc:spChg>
-        <pc:picChg chg="del">
-          <ac:chgData name="Sylvain Torrenti" userId="90f9519b-062b-4284-92c0-6d241ed0369b" providerId="ADAL" clId="{837A0EFE-727B-469C-A65E-5298C3FA34FC}" dt="2023-06-13T07:20:23.988" v="2376" actId="478"/>
-          <ac:picMkLst>
-            <pc:docMk/>
-            <pc:sldMk cId="1172097341" sldId="302"/>
-            <ac:picMk id="8" creationId="{4E8BD0D4-434E-528A-C6EF-5BEA461218CF}"/>
-          </ac:picMkLst>
-        </pc:picChg>
-        <pc:picChg chg="add mod">
-          <ac:chgData name="Sylvain Torrenti" userId="90f9519b-062b-4284-92c0-6d241ed0369b" providerId="ADAL" clId="{837A0EFE-727B-469C-A65E-5298C3FA34FC}" dt="2023-06-13T07:20:56.438" v="2383" actId="1076"/>
-          <ac:picMkLst>
-            <pc:docMk/>
-            <pc:sldMk cId="1172097341" sldId="302"/>
-            <ac:picMk id="9" creationId="{85422DE9-17B0-B624-ADA6-73B1AC6C2A68}"/>
-          </ac:picMkLst>
-        </pc:picChg>
-      </pc:sldChg>
-      <pc:sldChg chg="addSp delSp modSp add mod modNotesTx">
-        <pc:chgData name="Sylvain Torrenti" userId="90f9519b-062b-4284-92c0-6d241ed0369b" providerId="ADAL" clId="{837A0EFE-727B-469C-A65E-5298C3FA34FC}" dt="2023-06-13T09:23:57.982" v="3903"/>
-        <pc:sldMkLst>
-          <pc:docMk/>
-          <pc:sldMk cId="2521839387" sldId="303"/>
-        </pc:sldMkLst>
-        <pc:spChg chg="mod">
-          <ac:chgData name="Sylvain Torrenti" userId="90f9519b-062b-4284-92c0-6d241ed0369b" providerId="ADAL" clId="{837A0EFE-727B-469C-A65E-5298C3FA34FC}" dt="2023-06-13T07:56:37.904" v="2940" actId="313"/>
-          <ac:spMkLst>
-            <pc:docMk/>
-            <pc:sldMk cId="2521839387" sldId="303"/>
-            <ac:spMk id="13" creationId="{6C4A609F-B056-8D2E-7B28-F3B06829DFFE}"/>
-          </ac:spMkLst>
-        </pc:spChg>
-        <pc:picChg chg="del">
-          <ac:chgData name="Sylvain Torrenti" userId="90f9519b-062b-4284-92c0-6d241ed0369b" providerId="ADAL" clId="{837A0EFE-727B-469C-A65E-5298C3FA34FC}" dt="2023-06-13T07:24:31.727" v="2415" actId="478"/>
-          <ac:picMkLst>
-            <pc:docMk/>
-            <pc:sldMk cId="2521839387" sldId="303"/>
-            <ac:picMk id="7" creationId="{A5E65455-2695-580B-4DBB-C03A0484AB42}"/>
-          </ac:picMkLst>
-        </pc:picChg>
-        <pc:picChg chg="add mod">
-          <ac:chgData name="Sylvain Torrenti" userId="90f9519b-062b-4284-92c0-6d241ed0369b" providerId="ADAL" clId="{837A0EFE-727B-469C-A65E-5298C3FA34FC}" dt="2023-06-13T07:24:45.120" v="2420" actId="1076"/>
-          <ac:picMkLst>
-            <pc:docMk/>
-            <pc:sldMk cId="2521839387" sldId="303"/>
-            <ac:picMk id="8" creationId="{B4415961-62F6-F831-0C89-1472B17D073F}"/>
-          </ac:picMkLst>
-        </pc:picChg>
-      </pc:sldChg>
-      <pc:sldChg chg="addSp delSp modSp add mod modNotesTx">
-        <pc:chgData name="Sylvain Torrenti" userId="90f9519b-062b-4284-92c0-6d241ed0369b" providerId="ADAL" clId="{837A0EFE-727B-469C-A65E-5298C3FA34FC}" dt="2023-06-13T09:24:56.221" v="3962"/>
-        <pc:sldMkLst>
-          <pc:docMk/>
-          <pc:sldMk cId="1842979531" sldId="304"/>
-        </pc:sldMkLst>
-        <pc:spChg chg="mod">
-          <ac:chgData name="Sylvain Torrenti" userId="90f9519b-062b-4284-92c0-6d241ed0369b" providerId="ADAL" clId="{837A0EFE-727B-469C-A65E-5298C3FA34FC}" dt="2023-06-13T07:53:56.541" v="2909" actId="20577"/>
-          <ac:spMkLst>
-            <pc:docMk/>
-            <pc:sldMk cId="1842979531" sldId="304"/>
-            <ac:spMk id="2" creationId="{2BAA3FB9-B037-67A9-EB48-5983AE70877D}"/>
-          </ac:spMkLst>
-        </pc:spChg>
-        <pc:spChg chg="mod">
-          <ac:chgData name="Sylvain Torrenti" userId="90f9519b-062b-4284-92c0-6d241ed0369b" providerId="ADAL" clId="{837A0EFE-727B-469C-A65E-5298C3FA34FC}" dt="2023-06-13T07:26:10.159" v="2429" actId="20577"/>
-          <ac:spMkLst>
-            <pc:docMk/>
-            <pc:sldMk cId="1842979531" sldId="304"/>
-            <ac:spMk id="3" creationId="{592D6831-93C2-369B-6819-5D5F42F0E7A0}"/>
-          </ac:spMkLst>
-        </pc:spChg>
-        <pc:picChg chg="add mod">
-          <ac:chgData name="Sylvain Torrenti" userId="90f9519b-062b-4284-92c0-6d241ed0369b" providerId="ADAL" clId="{837A0EFE-727B-469C-A65E-5298C3FA34FC}" dt="2023-06-13T07:27:11.546" v="2437" actId="1076"/>
-          <ac:picMkLst>
-            <pc:docMk/>
-            <pc:sldMk cId="1842979531" sldId="304"/>
-            <ac:picMk id="8" creationId="{740FD53C-0948-BFFA-3D9F-0CAE51E3A14C}"/>
-          </ac:picMkLst>
-        </pc:picChg>
-        <pc:picChg chg="del">
-          <ac:chgData name="Sylvain Torrenti" userId="90f9519b-062b-4284-92c0-6d241ed0369b" providerId="ADAL" clId="{837A0EFE-727B-469C-A65E-5298C3FA34FC}" dt="2023-06-13T07:26:12.526" v="2430" actId="478"/>
-          <ac:picMkLst>
-            <pc:docMk/>
-            <pc:sldMk cId="1842979531" sldId="304"/>
-            <ac:picMk id="9" creationId="{85422DE9-17B0-B624-ADA6-73B1AC6C2A68}"/>
-          </ac:picMkLst>
-        </pc:picChg>
-      </pc:sldChg>
-      <pc:sldChg chg="modSp add mod modNotesTx">
-        <pc:chgData name="Sylvain Torrenti" userId="90f9519b-062b-4284-92c0-6d241ed0369b" providerId="ADAL" clId="{837A0EFE-727B-469C-A65E-5298C3FA34FC}" dt="2023-06-13T09:06:46.118" v="3206"/>
-        <pc:sldMkLst>
-          <pc:docMk/>
-          <pc:sldMk cId="3953309593" sldId="305"/>
-        </pc:sldMkLst>
-        <pc:spChg chg="mod">
-          <ac:chgData name="Sylvain Torrenti" userId="90f9519b-062b-4284-92c0-6d241ed0369b" providerId="ADAL" clId="{837A0EFE-727B-469C-A65E-5298C3FA34FC}" dt="2023-06-13T07:29:42.716" v="2442" actId="20577"/>
-          <ac:spMkLst>
-            <pc:docMk/>
-            <pc:sldMk cId="3953309593" sldId="305"/>
-            <ac:spMk id="3" creationId="{6F1111F0-B326-FD3F-3BB3-0C1E464AD786}"/>
-          </ac:spMkLst>
-        </pc:spChg>
-      </pc:sldChg>
-      <pc:sldChg chg="addSp delSp modSp add mod modNotesTx">
-        <pc:chgData name="Sylvain Torrenti" userId="90f9519b-062b-4284-92c0-6d241ed0369b" providerId="ADAL" clId="{837A0EFE-727B-469C-A65E-5298C3FA34FC}" dt="2023-06-13T09:25:21.552" v="3968"/>
-        <pc:sldMkLst>
-          <pc:docMk/>
-          <pc:sldMk cId="3070279594" sldId="306"/>
-        </pc:sldMkLst>
-        <pc:spChg chg="mod">
-          <ac:chgData name="Sylvain Torrenti" userId="90f9519b-062b-4284-92c0-6d241ed0369b" providerId="ADAL" clId="{837A0EFE-727B-469C-A65E-5298C3FA34FC}" dt="2023-06-13T07:54:00.044" v="2910" actId="20577"/>
-          <ac:spMkLst>
-            <pc:docMk/>
-            <pc:sldMk cId="3070279594" sldId="306"/>
-            <ac:spMk id="2" creationId="{2BAA3FB9-B037-67A9-EB48-5983AE70877D}"/>
-          </ac:spMkLst>
-        </pc:spChg>
-        <pc:spChg chg="mod">
-          <ac:chgData name="Sylvain Torrenti" userId="90f9519b-062b-4284-92c0-6d241ed0369b" providerId="ADAL" clId="{837A0EFE-727B-469C-A65E-5298C3FA34FC}" dt="2023-06-13T07:30:51.226" v="2476" actId="20577"/>
-          <ac:spMkLst>
-            <pc:docMk/>
-            <pc:sldMk cId="3070279594" sldId="306"/>
-            <ac:spMk id="6" creationId="{A12976A9-8604-89D8-9307-4948E2D73D46}"/>
-          </ac:spMkLst>
-        </pc:spChg>
-        <pc:picChg chg="add mod">
-          <ac:chgData name="Sylvain Torrenti" userId="90f9519b-062b-4284-92c0-6d241ed0369b" providerId="ADAL" clId="{837A0EFE-727B-469C-A65E-5298C3FA34FC}" dt="2023-06-13T07:31:23.716" v="2480" actId="1076"/>
-          <ac:picMkLst>
-            <pc:docMk/>
-            <pc:sldMk cId="3070279594" sldId="306"/>
-            <ac:picMk id="8" creationId="{AF720A35-4962-41C3-135E-8E22CB79BCE1}"/>
-          </ac:picMkLst>
-        </pc:picChg>
-        <pc:picChg chg="del">
-          <ac:chgData name="Sylvain Torrenti" userId="90f9519b-062b-4284-92c0-6d241ed0369b" providerId="ADAL" clId="{837A0EFE-727B-469C-A65E-5298C3FA34FC}" dt="2023-06-13T07:31:10.731" v="2477" actId="478"/>
-          <ac:picMkLst>
-            <pc:docMk/>
-            <pc:sldMk cId="3070279594" sldId="306"/>
-            <ac:picMk id="9" creationId="{D18906C6-7083-4D96-AD0E-5F583A0BEE49}"/>
-          </ac:picMkLst>
-        </pc:picChg>
-      </pc:sldChg>
-      <pc:sldChg chg="addSp delSp modSp add mod modNotesTx">
-        <pc:chgData name="Sylvain Torrenti" userId="90f9519b-062b-4284-92c0-6d241ed0369b" providerId="ADAL" clId="{837A0EFE-727B-469C-A65E-5298C3FA34FC}" dt="2023-06-13T09:24:58.831" v="3963"/>
-        <pc:sldMkLst>
-          <pc:docMk/>
-          <pc:sldMk cId="2111126837" sldId="307"/>
-        </pc:sldMkLst>
-        <pc:spChg chg="mod">
-          <ac:chgData name="Sylvain Torrenti" userId="90f9519b-062b-4284-92c0-6d241ed0369b" providerId="ADAL" clId="{837A0EFE-727B-469C-A65E-5298C3FA34FC}" dt="2023-06-13T07:54:02.205" v="2911" actId="20577"/>
-          <ac:spMkLst>
-            <pc:docMk/>
-            <pc:sldMk cId="2111126837" sldId="307"/>
-            <ac:spMk id="2" creationId="{2BAA3FB9-B037-67A9-EB48-5983AE70877D}"/>
-          </ac:spMkLst>
-        </pc:spChg>
-        <pc:spChg chg="del">
-          <ac:chgData name="Sylvain Torrenti" userId="90f9519b-062b-4284-92c0-6d241ed0369b" providerId="ADAL" clId="{837A0EFE-727B-469C-A65E-5298C3FA34FC}" dt="2023-06-13T07:31:54.187" v="2483" actId="478"/>
-          <ac:spMkLst>
-            <pc:docMk/>
-            <pc:sldMk cId="2111126837" sldId="307"/>
-            <ac:spMk id="3" creationId="{592D6831-93C2-369B-6819-5D5F42F0E7A0}"/>
-          </ac:spMkLst>
-        </pc:spChg>
-        <pc:spChg chg="add mod">
-          <ac:chgData name="Sylvain Torrenti" userId="90f9519b-062b-4284-92c0-6d241ed0369b" providerId="ADAL" clId="{837A0EFE-727B-469C-A65E-5298C3FA34FC}" dt="2023-06-13T07:31:54.798" v="2484"/>
-          <ac:spMkLst>
-            <pc:docMk/>
-            <pc:sldMk cId="2111126837" sldId="307"/>
-            <ac:spMk id="7" creationId="{8A0BB710-2CFE-9AB7-7130-6D0EFA06DC16}"/>
-          </ac:spMkLst>
-        </pc:spChg>
-        <pc:picChg chg="del">
-          <ac:chgData name="Sylvain Torrenti" userId="90f9519b-062b-4284-92c0-6d241ed0369b" providerId="ADAL" clId="{837A0EFE-727B-469C-A65E-5298C3FA34FC}" dt="2023-06-13T07:31:36.266" v="2482" actId="478"/>
-          <ac:picMkLst>
-            <pc:docMk/>
-            <pc:sldMk cId="2111126837" sldId="307"/>
-            <ac:picMk id="8" creationId="{AF720A35-4962-41C3-135E-8E22CB79BCE1}"/>
-          </ac:picMkLst>
-        </pc:picChg>
-        <pc:picChg chg="add mod">
-          <ac:chgData name="Sylvain Torrenti" userId="90f9519b-062b-4284-92c0-6d241ed0369b" providerId="ADAL" clId="{837A0EFE-727B-469C-A65E-5298C3FA34FC}" dt="2023-06-13T07:32:13.577" v="2489" actId="1076"/>
-          <ac:picMkLst>
-            <pc:docMk/>
-            <pc:sldMk cId="2111126837" sldId="307"/>
-            <ac:picMk id="10" creationId="{327A5039-A650-A14B-8A5F-E9902665262B}"/>
-          </ac:picMkLst>
-        </pc:picChg>
-      </pc:sldChg>
-      <pc:sldChg chg="addSp delSp modSp add mod modNotesTx">
-        <pc:chgData name="Sylvain Torrenti" userId="90f9519b-062b-4284-92c0-6d241ed0369b" providerId="ADAL" clId="{837A0EFE-727B-469C-A65E-5298C3FA34FC}" dt="2023-06-13T09:25:00.397" v="3964"/>
-        <pc:sldMkLst>
-          <pc:docMk/>
-          <pc:sldMk cId="2851291234" sldId="308"/>
-        </pc:sldMkLst>
-        <pc:spChg chg="mod">
-          <ac:chgData name="Sylvain Torrenti" userId="90f9519b-062b-4284-92c0-6d241ed0369b" providerId="ADAL" clId="{837A0EFE-727B-469C-A65E-5298C3FA34FC}" dt="2023-06-13T07:54:04.268" v="2912" actId="20577"/>
-          <ac:spMkLst>
-            <pc:docMk/>
-            <pc:sldMk cId="2851291234" sldId="308"/>
-            <ac:spMk id="2" creationId="{2BAA3FB9-B037-67A9-EB48-5983AE70877D}"/>
-          </ac:spMkLst>
-        </pc:spChg>
-        <pc:spChg chg="mod">
-          <ac:chgData name="Sylvain Torrenti" userId="90f9519b-062b-4284-92c0-6d241ed0369b" providerId="ADAL" clId="{837A0EFE-727B-469C-A65E-5298C3FA34FC}" dt="2023-06-13T07:32:47.784" v="2495" actId="20577"/>
-          <ac:spMkLst>
-            <pc:docMk/>
-            <pc:sldMk cId="2851291234" sldId="308"/>
-            <ac:spMk id="7" creationId="{8A0BB710-2CFE-9AB7-7130-6D0EFA06DC16}"/>
-          </ac:spMkLst>
-        </pc:spChg>
-        <pc:picChg chg="add mod">
-          <ac:chgData name="Sylvain Torrenti" userId="90f9519b-062b-4284-92c0-6d241ed0369b" providerId="ADAL" clId="{837A0EFE-727B-469C-A65E-5298C3FA34FC}" dt="2023-06-13T07:33:17.101" v="2502" actId="1076"/>
-          <ac:picMkLst>
-            <pc:docMk/>
-            <pc:sldMk cId="2851291234" sldId="308"/>
-            <ac:picMk id="8" creationId="{D306D84C-22B7-1622-107D-4690AE10E99C}"/>
-          </ac:picMkLst>
-        </pc:picChg>
-        <pc:picChg chg="del">
-          <ac:chgData name="Sylvain Torrenti" userId="90f9519b-062b-4284-92c0-6d241ed0369b" providerId="ADAL" clId="{837A0EFE-727B-469C-A65E-5298C3FA34FC}" dt="2023-06-13T07:32:49.802" v="2496" actId="478"/>
-          <ac:picMkLst>
-            <pc:docMk/>
-            <pc:sldMk cId="2851291234" sldId="308"/>
-            <ac:picMk id="10" creationId="{327A5039-A650-A14B-8A5F-E9902665262B}"/>
-          </ac:picMkLst>
-        </pc:picChg>
-      </pc:sldChg>
-      <pc:sldChg chg="addSp delSp modSp add mod modNotesTx">
-        <pc:chgData name="Sylvain Torrenti" userId="90f9519b-062b-4284-92c0-6d241ed0369b" providerId="ADAL" clId="{837A0EFE-727B-469C-A65E-5298C3FA34FC}" dt="2023-06-13T09:25:02.029" v="3965"/>
-        <pc:sldMkLst>
-          <pc:docMk/>
-          <pc:sldMk cId="967614023" sldId="309"/>
-        </pc:sldMkLst>
-        <pc:spChg chg="mod">
-          <ac:chgData name="Sylvain Torrenti" userId="90f9519b-062b-4284-92c0-6d241ed0369b" providerId="ADAL" clId="{837A0EFE-727B-469C-A65E-5298C3FA34FC}" dt="2023-06-13T07:54:07.006" v="2913" actId="20577"/>
-          <ac:spMkLst>
-            <pc:docMk/>
-            <pc:sldMk cId="967614023" sldId="309"/>
-            <ac:spMk id="2" creationId="{2BAA3FB9-B037-67A9-EB48-5983AE70877D}"/>
-          </ac:spMkLst>
-        </pc:spChg>
-        <pc:spChg chg="mod">
-          <ac:chgData name="Sylvain Torrenti" userId="90f9519b-062b-4284-92c0-6d241ed0369b" providerId="ADAL" clId="{837A0EFE-727B-469C-A65E-5298C3FA34FC}" dt="2023-06-13T07:34:21.069" v="2530" actId="20577"/>
-          <ac:spMkLst>
-            <pc:docMk/>
-            <pc:sldMk cId="967614023" sldId="309"/>
-            <ac:spMk id="7" creationId="{8A0BB710-2CFE-9AB7-7130-6D0EFA06DC16}"/>
-          </ac:spMkLst>
-        </pc:spChg>
-        <pc:picChg chg="del">
-          <ac:chgData name="Sylvain Torrenti" userId="90f9519b-062b-4284-92c0-6d241ed0369b" providerId="ADAL" clId="{837A0EFE-727B-469C-A65E-5298C3FA34FC}" dt="2023-06-13T07:33:35.546" v="2513" actId="478"/>
-          <ac:picMkLst>
-            <pc:docMk/>
-            <pc:sldMk cId="967614023" sldId="309"/>
-            <ac:picMk id="8" creationId="{D306D84C-22B7-1622-107D-4690AE10E99C}"/>
-          </ac:picMkLst>
-        </pc:picChg>
-        <pc:picChg chg="add mod">
-          <ac:chgData name="Sylvain Torrenti" userId="90f9519b-062b-4284-92c0-6d241ed0369b" providerId="ADAL" clId="{837A0EFE-727B-469C-A65E-5298C3FA34FC}" dt="2023-06-13T07:34:09.754" v="2518" actId="1076"/>
-          <ac:picMkLst>
-            <pc:docMk/>
-            <pc:sldMk cId="967614023" sldId="309"/>
-            <ac:picMk id="9" creationId="{D38113EA-0838-B532-F882-84C26C63145B}"/>
-          </ac:picMkLst>
-        </pc:picChg>
-      </pc:sldChg>
-      <pc:sldChg chg="addSp delSp modSp add mod modNotesTx">
-        <pc:chgData name="Sylvain Torrenti" userId="90f9519b-062b-4284-92c0-6d241ed0369b" providerId="ADAL" clId="{837A0EFE-727B-469C-A65E-5298C3FA34FC}" dt="2023-06-13T09:25:03.677" v="3966"/>
-        <pc:sldMkLst>
-          <pc:docMk/>
-          <pc:sldMk cId="532357015" sldId="310"/>
-        </pc:sldMkLst>
-        <pc:spChg chg="mod">
-          <ac:chgData name="Sylvain Torrenti" userId="90f9519b-062b-4284-92c0-6d241ed0369b" providerId="ADAL" clId="{837A0EFE-727B-469C-A65E-5298C3FA34FC}" dt="2023-06-13T07:54:09.134" v="2914" actId="20577"/>
-          <ac:spMkLst>
-            <pc:docMk/>
-            <pc:sldMk cId="532357015" sldId="310"/>
-            <ac:spMk id="2" creationId="{2BAA3FB9-B037-67A9-EB48-5983AE70877D}"/>
-          </ac:spMkLst>
-        </pc:spChg>
-        <pc:spChg chg="mod">
-          <ac:chgData name="Sylvain Torrenti" userId="90f9519b-062b-4284-92c0-6d241ed0369b" providerId="ADAL" clId="{837A0EFE-727B-469C-A65E-5298C3FA34FC}" dt="2023-06-13T07:34:52.952" v="2551" actId="20577"/>
-          <ac:spMkLst>
-            <pc:docMk/>
-            <pc:sldMk cId="532357015" sldId="310"/>
-            <ac:spMk id="7" creationId="{8A0BB710-2CFE-9AB7-7130-6D0EFA06DC16}"/>
-          </ac:spMkLst>
-        </pc:spChg>
-        <pc:picChg chg="add mod">
-          <ac:chgData name="Sylvain Torrenti" userId="90f9519b-062b-4284-92c0-6d241ed0369b" providerId="ADAL" clId="{837A0EFE-727B-469C-A65E-5298C3FA34FC}" dt="2023-06-13T07:35:13.946" v="2559" actId="1076"/>
-          <ac:picMkLst>
-            <pc:docMk/>
-            <pc:sldMk cId="532357015" sldId="310"/>
-            <ac:picMk id="8" creationId="{632E9ABC-2424-A91D-D05C-39C7A2EED1A5}"/>
-          </ac:picMkLst>
-        </pc:picChg>
-        <pc:picChg chg="del">
-          <ac:chgData name="Sylvain Torrenti" userId="90f9519b-062b-4284-92c0-6d241ed0369b" providerId="ADAL" clId="{837A0EFE-727B-469C-A65E-5298C3FA34FC}" dt="2023-06-13T07:34:55.640" v="2552" actId="478"/>
-          <ac:picMkLst>
-            <pc:docMk/>
-            <pc:sldMk cId="532357015" sldId="310"/>
-            <ac:picMk id="9" creationId="{D38113EA-0838-B532-F882-84C26C63145B}"/>
-          </ac:picMkLst>
-        </pc:picChg>
-      </pc:sldChg>
-      <pc:sldChg chg="modSp add mod modNotesTx">
-        <pc:chgData name="Sylvain Torrenti" userId="90f9519b-062b-4284-92c0-6d241ed0369b" providerId="ADAL" clId="{837A0EFE-727B-469C-A65E-5298C3FA34FC}" dt="2023-06-13T09:06:50.248" v="3207"/>
-        <pc:sldMkLst>
-          <pc:docMk/>
-          <pc:sldMk cId="4191077929" sldId="311"/>
-        </pc:sldMkLst>
-        <pc:spChg chg="mod">
-          <ac:chgData name="Sylvain Torrenti" userId="90f9519b-062b-4284-92c0-6d241ed0369b" providerId="ADAL" clId="{837A0EFE-727B-469C-A65E-5298C3FA34FC}" dt="2023-06-13T07:35:47.224" v="2563" actId="207"/>
-          <ac:spMkLst>
-            <pc:docMk/>
-            <pc:sldMk cId="4191077929" sldId="311"/>
-            <ac:spMk id="3" creationId="{6F1111F0-B326-FD3F-3BB3-0C1E464AD786}"/>
-          </ac:spMkLst>
-        </pc:spChg>
-      </pc:sldChg>
-      <pc:sldChg chg="addSp delSp modSp add mod">
-        <pc:chgData name="Sylvain Torrenti" userId="90f9519b-062b-4284-92c0-6d241ed0369b" providerId="ADAL" clId="{837A0EFE-727B-469C-A65E-5298C3FA34FC}" dt="2023-06-13T07:54:12.364" v="2915" actId="20577"/>
-        <pc:sldMkLst>
-          <pc:docMk/>
-          <pc:sldMk cId="1569516859" sldId="312"/>
-        </pc:sldMkLst>
-        <pc:spChg chg="mod">
-          <ac:chgData name="Sylvain Torrenti" userId="90f9519b-062b-4284-92c0-6d241ed0369b" providerId="ADAL" clId="{837A0EFE-727B-469C-A65E-5298C3FA34FC}" dt="2023-06-13T07:54:12.364" v="2915" actId="20577"/>
-          <ac:spMkLst>
-            <pc:docMk/>
-            <pc:sldMk cId="1569516859" sldId="312"/>
-            <ac:spMk id="2" creationId="{2BAA3FB9-B037-67A9-EB48-5983AE70877D}"/>
-          </ac:spMkLst>
-        </pc:spChg>
-        <pc:spChg chg="add mod">
-          <ac:chgData name="Sylvain Torrenti" userId="90f9519b-062b-4284-92c0-6d241ed0369b" providerId="ADAL" clId="{837A0EFE-727B-469C-A65E-5298C3FA34FC}" dt="2023-06-13T07:36:55.920" v="2616" actId="1076"/>
-          <ac:spMkLst>
-            <pc:docMk/>
-            <pc:sldMk cId="1569516859" sldId="312"/>
-            <ac:spMk id="3" creationId="{AD6602BE-C743-F168-C3C9-C1C5312FBFB6}"/>
-          </ac:spMkLst>
-        </pc:spChg>
-        <pc:spChg chg="del">
-          <ac:chgData name="Sylvain Torrenti" userId="90f9519b-062b-4284-92c0-6d241ed0369b" providerId="ADAL" clId="{837A0EFE-727B-469C-A65E-5298C3FA34FC}" dt="2023-06-13T07:36:02.265" v="2567" actId="478"/>
-          <ac:spMkLst>
-            <pc:docMk/>
-            <pc:sldMk cId="1569516859" sldId="312"/>
-            <ac:spMk id="6" creationId="{A12976A9-8604-89D8-9307-4948E2D73D46}"/>
-          </ac:spMkLst>
-        </pc:spChg>
-        <pc:spChg chg="del">
-          <ac:chgData name="Sylvain Torrenti" userId="90f9519b-062b-4284-92c0-6d241ed0369b" providerId="ADAL" clId="{837A0EFE-727B-469C-A65E-5298C3FA34FC}" dt="2023-06-13T07:36:00.298" v="2566" actId="478"/>
-          <ac:spMkLst>
-            <pc:docMk/>
-            <pc:sldMk cId="1569516859" sldId="312"/>
-            <ac:spMk id="7" creationId="{8A0BB710-2CFE-9AB7-7130-6D0EFA06DC16}"/>
-          </ac:spMkLst>
-        </pc:spChg>
-        <pc:spChg chg="add mod">
-          <ac:chgData name="Sylvain Torrenti" userId="90f9519b-062b-4284-92c0-6d241ed0369b" providerId="ADAL" clId="{837A0EFE-727B-469C-A65E-5298C3FA34FC}" dt="2023-06-13T07:40:06.720" v="2720" actId="1076"/>
-          <ac:spMkLst>
-            <pc:docMk/>
-            <pc:sldMk cId="1569516859" sldId="312"/>
-            <ac:spMk id="9" creationId="{196207E8-D8EC-3B6D-44BB-2811B8C0B5C4}"/>
-          </ac:spMkLst>
-        </pc:spChg>
-        <pc:spChg chg="add mod">
-          <ac:chgData name="Sylvain Torrenti" userId="90f9519b-062b-4284-92c0-6d241ed0369b" providerId="ADAL" clId="{837A0EFE-727B-469C-A65E-5298C3FA34FC}" dt="2023-06-13T07:40:02.101" v="2719" actId="1076"/>
-          <ac:spMkLst>
-            <pc:docMk/>
-            <pc:sldMk cId="1569516859" sldId="312"/>
-            <ac:spMk id="10" creationId="{B9F3E878-3D5C-72B9-3FB3-61777E73927F}"/>
-          </ac:spMkLst>
-        </pc:spChg>
-        <pc:picChg chg="del">
-          <ac:chgData name="Sylvain Torrenti" userId="90f9519b-062b-4284-92c0-6d241ed0369b" providerId="ADAL" clId="{837A0EFE-727B-469C-A65E-5298C3FA34FC}" dt="2023-06-13T07:35:55.769" v="2565" actId="478"/>
-          <ac:picMkLst>
-            <pc:docMk/>
-            <pc:sldMk cId="1569516859" sldId="312"/>
-            <ac:picMk id="8" creationId="{632E9ABC-2424-A91D-D05C-39C7A2EED1A5}"/>
-          </ac:picMkLst>
-        </pc:picChg>
-        <pc:picChg chg="add mod">
-          <ac:chgData name="Sylvain Torrenti" userId="90f9519b-062b-4284-92c0-6d241ed0369b" providerId="ADAL" clId="{837A0EFE-727B-469C-A65E-5298C3FA34FC}" dt="2023-06-13T07:39:49.666" v="2718" actId="1076"/>
-          <ac:picMkLst>
-            <pc:docMk/>
-            <pc:sldMk cId="1569516859" sldId="312"/>
-            <ac:picMk id="12" creationId="{6903FC23-E09F-BF7F-280B-19D49269B587}"/>
-          </ac:picMkLst>
-        </pc:picChg>
-      </pc:sldChg>
-      <pc:sldChg chg="modSp add mod modNotesTx">
-        <pc:chgData name="Sylvain Torrenti" userId="90f9519b-062b-4284-92c0-6d241ed0369b" providerId="ADAL" clId="{837A0EFE-727B-469C-A65E-5298C3FA34FC}" dt="2023-06-13T09:06:53.335" v="3208"/>
-        <pc:sldMkLst>
-          <pc:docMk/>
-          <pc:sldMk cId="1644604133" sldId="313"/>
-        </pc:sldMkLst>
-        <pc:spChg chg="mod">
-          <ac:chgData name="Sylvain Torrenti" userId="90f9519b-062b-4284-92c0-6d241ed0369b" providerId="ADAL" clId="{837A0EFE-727B-469C-A65E-5298C3FA34FC}" dt="2023-06-13T07:40:28.322" v="2723" actId="207"/>
-          <ac:spMkLst>
-            <pc:docMk/>
-            <pc:sldMk cId="1644604133" sldId="313"/>
-            <ac:spMk id="3" creationId="{6F1111F0-B326-FD3F-3BB3-0C1E464AD786}"/>
-          </ac:spMkLst>
-        </pc:spChg>
-      </pc:sldChg>
-      <pc:sldChg chg="addSp delSp modSp add mod">
-        <pc:chgData name="Sylvain Torrenti" userId="90f9519b-062b-4284-92c0-6d241ed0369b" providerId="ADAL" clId="{837A0EFE-727B-469C-A65E-5298C3FA34FC}" dt="2023-06-13T07:54:15.534" v="2916" actId="20577"/>
-        <pc:sldMkLst>
-          <pc:docMk/>
-          <pc:sldMk cId="3972277540" sldId="314"/>
-        </pc:sldMkLst>
-        <pc:spChg chg="mod">
-          <ac:chgData name="Sylvain Torrenti" userId="90f9519b-062b-4284-92c0-6d241ed0369b" providerId="ADAL" clId="{837A0EFE-727B-469C-A65E-5298C3FA34FC}" dt="2023-06-13T07:54:15.534" v="2916" actId="20577"/>
-          <ac:spMkLst>
-            <pc:docMk/>
-            <pc:sldMk cId="3972277540" sldId="314"/>
-            <ac:spMk id="2" creationId="{2BAA3FB9-B037-67A9-EB48-5983AE70877D}"/>
-          </ac:spMkLst>
-        </pc:spChg>
-        <pc:spChg chg="del">
-          <ac:chgData name="Sylvain Torrenti" userId="90f9519b-062b-4284-92c0-6d241ed0369b" providerId="ADAL" clId="{837A0EFE-727B-469C-A65E-5298C3FA34FC}" dt="2023-06-13T07:40:40.342" v="2728" actId="478"/>
-          <ac:spMkLst>
-            <pc:docMk/>
-            <pc:sldMk cId="3972277540" sldId="314"/>
-            <ac:spMk id="3" creationId="{AD6602BE-C743-F168-C3C9-C1C5312FBFB6}"/>
-          </ac:spMkLst>
-        </pc:spChg>
-        <pc:spChg chg="add mod">
-          <ac:chgData name="Sylvain Torrenti" userId="90f9519b-062b-4284-92c0-6d241ed0369b" providerId="ADAL" clId="{837A0EFE-727B-469C-A65E-5298C3FA34FC}" dt="2023-06-13T07:43:48.891" v="2801" actId="1076"/>
-          <ac:spMkLst>
-            <pc:docMk/>
-            <pc:sldMk cId="3972277540" sldId="314"/>
-            <ac:spMk id="6" creationId="{BFAC56A1-C03A-E555-8811-11709C50DCF3}"/>
-          </ac:spMkLst>
-        </pc:spChg>
-        <pc:spChg chg="del">
-          <ac:chgData name="Sylvain Torrenti" userId="90f9519b-062b-4284-92c0-6d241ed0369b" providerId="ADAL" clId="{837A0EFE-727B-469C-A65E-5298C3FA34FC}" dt="2023-06-13T07:40:39.253" v="2727" actId="478"/>
-          <ac:spMkLst>
-            <pc:docMk/>
-            <pc:sldMk cId="3972277540" sldId="314"/>
-            <ac:spMk id="9" creationId="{196207E8-D8EC-3B6D-44BB-2811B8C0B5C4}"/>
-          </ac:spMkLst>
-        </pc:spChg>
-        <pc:spChg chg="del">
-          <ac:chgData name="Sylvain Torrenti" userId="90f9519b-062b-4284-92c0-6d241ed0369b" providerId="ADAL" clId="{837A0EFE-727B-469C-A65E-5298C3FA34FC}" dt="2023-06-13T07:40:38.198" v="2726" actId="478"/>
-          <ac:spMkLst>
-            <pc:docMk/>
-            <pc:sldMk cId="3972277540" sldId="314"/>
-            <ac:spMk id="10" creationId="{B9F3E878-3D5C-72B9-3FB3-61777E73927F}"/>
-          </ac:spMkLst>
-        </pc:spChg>
-        <pc:spChg chg="add mod">
-          <ac:chgData name="Sylvain Torrenti" userId="90f9519b-062b-4284-92c0-6d241ed0369b" providerId="ADAL" clId="{837A0EFE-727B-469C-A65E-5298C3FA34FC}" dt="2023-06-13T07:44:27.097" v="2840" actId="1076"/>
-          <ac:spMkLst>
-            <pc:docMk/>
-            <pc:sldMk cId="3972277540" sldId="314"/>
-            <ac:spMk id="11" creationId="{BCD6830A-8351-DD35-D634-BE57811269FB}"/>
-          </ac:spMkLst>
-        </pc:spChg>
-        <pc:picChg chg="add mod ord">
-          <ac:chgData name="Sylvain Torrenti" userId="90f9519b-062b-4284-92c0-6d241ed0369b" providerId="ADAL" clId="{837A0EFE-727B-469C-A65E-5298C3FA34FC}" dt="2023-06-13T07:43:44.877" v="2800" actId="1076"/>
-          <ac:picMkLst>
-            <pc:docMk/>
-            <pc:sldMk cId="3972277540" sldId="314"/>
-            <ac:picMk id="8" creationId="{29AC1790-89A9-2664-F72A-892494B9E0EA}"/>
-          </ac:picMkLst>
-        </pc:picChg>
-        <pc:picChg chg="del">
-          <ac:chgData name="Sylvain Torrenti" userId="90f9519b-062b-4284-92c0-6d241ed0369b" providerId="ADAL" clId="{837A0EFE-727B-469C-A65E-5298C3FA34FC}" dt="2023-06-13T07:40:36.166" v="2725" actId="478"/>
-          <ac:picMkLst>
-            <pc:docMk/>
-            <pc:sldMk cId="3972277540" sldId="314"/>
-            <ac:picMk id="12" creationId="{6903FC23-E09F-BF7F-280B-19D49269B587}"/>
-          </ac:picMkLst>
-        </pc:picChg>
-      </pc:sldChg>
-      <pc:sldChg chg="modSp add mod modNotesTx">
-        <pc:chgData name="Sylvain Torrenti" userId="90f9519b-062b-4284-92c0-6d241ed0369b" providerId="ADAL" clId="{837A0EFE-727B-469C-A65E-5298C3FA34FC}" dt="2023-06-13T09:06:56.134" v="3209"/>
-        <pc:sldMkLst>
-          <pc:docMk/>
-          <pc:sldMk cId="463665134" sldId="315"/>
-        </pc:sldMkLst>
-        <pc:spChg chg="mod">
-          <ac:chgData name="Sylvain Torrenti" userId="90f9519b-062b-4284-92c0-6d241ed0369b" providerId="ADAL" clId="{837A0EFE-727B-469C-A65E-5298C3FA34FC}" dt="2023-06-13T07:47:11.004" v="2843" actId="207"/>
-          <ac:spMkLst>
-            <pc:docMk/>
-            <pc:sldMk cId="463665134" sldId="315"/>
-            <ac:spMk id="3" creationId="{6F1111F0-B326-FD3F-3BB3-0C1E464AD786}"/>
-          </ac:spMkLst>
-        </pc:spChg>
-      </pc:sldChg>
-      <pc:sldChg chg="addSp delSp modSp add mod">
-        <pc:chgData name="Sylvain Torrenti" userId="90f9519b-062b-4284-92c0-6d241ed0369b" providerId="ADAL" clId="{837A0EFE-727B-469C-A65E-5298C3FA34FC}" dt="2023-06-13T07:54:18.861" v="2917" actId="20577"/>
-        <pc:sldMkLst>
-          <pc:docMk/>
-          <pc:sldMk cId="3791094185" sldId="316"/>
-        </pc:sldMkLst>
-        <pc:spChg chg="mod">
-          <ac:chgData name="Sylvain Torrenti" userId="90f9519b-062b-4284-92c0-6d241ed0369b" providerId="ADAL" clId="{837A0EFE-727B-469C-A65E-5298C3FA34FC}" dt="2023-06-13T07:54:18.861" v="2917" actId="20577"/>
-          <ac:spMkLst>
-            <pc:docMk/>
-            <pc:sldMk cId="3791094185" sldId="316"/>
-            <ac:spMk id="2" creationId="{2BAA3FB9-B037-67A9-EB48-5983AE70877D}"/>
-          </ac:spMkLst>
-        </pc:spChg>
-        <pc:spChg chg="add mod">
-          <ac:chgData name="Sylvain Torrenti" userId="90f9519b-062b-4284-92c0-6d241ed0369b" providerId="ADAL" clId="{837A0EFE-727B-469C-A65E-5298C3FA34FC}" dt="2023-06-13T07:50:13.219" v="2896" actId="1076"/>
-          <ac:spMkLst>
-            <pc:docMk/>
-            <pc:sldMk cId="3791094185" sldId="316"/>
-            <ac:spMk id="3" creationId="{2AEF5F0C-8F11-C5F4-32A4-51BCDAA7ADC6}"/>
-          </ac:spMkLst>
-        </pc:spChg>
-        <pc:spChg chg="del">
-          <ac:chgData name="Sylvain Torrenti" userId="90f9519b-062b-4284-92c0-6d241ed0369b" providerId="ADAL" clId="{837A0EFE-727B-469C-A65E-5298C3FA34FC}" dt="2023-06-13T07:48:01.952" v="2856" actId="478"/>
-          <ac:spMkLst>
-            <pc:docMk/>
-            <pc:sldMk cId="3791094185" sldId="316"/>
-            <ac:spMk id="6" creationId="{BFAC56A1-C03A-E555-8811-11709C50DCF3}"/>
-          </ac:spMkLst>
-        </pc:spChg>
-        <pc:spChg chg="del">
-          <ac:chgData name="Sylvain Torrenti" userId="90f9519b-062b-4284-92c0-6d241ed0369b" providerId="ADAL" clId="{837A0EFE-727B-469C-A65E-5298C3FA34FC}" dt="2023-06-13T07:48:03.056" v="2857" actId="478"/>
-          <ac:spMkLst>
-            <pc:docMk/>
-            <pc:sldMk cId="3791094185" sldId="316"/>
-            <ac:spMk id="11" creationId="{BCD6830A-8351-DD35-D634-BE57811269FB}"/>
-          </ac:spMkLst>
-        </pc:spChg>
-        <pc:picChg chg="del">
-          <ac:chgData name="Sylvain Torrenti" userId="90f9519b-062b-4284-92c0-6d241ed0369b" providerId="ADAL" clId="{837A0EFE-727B-469C-A65E-5298C3FA34FC}" dt="2023-06-13T07:48:00.066" v="2855" actId="478"/>
-          <ac:picMkLst>
-            <pc:docMk/>
-            <pc:sldMk cId="3791094185" sldId="316"/>
-            <ac:picMk id="8" creationId="{29AC1790-89A9-2664-F72A-892494B9E0EA}"/>
-          </ac:picMkLst>
-        </pc:picChg>
-        <pc:picChg chg="add mod">
-          <ac:chgData name="Sylvain Torrenti" userId="90f9519b-062b-4284-92c0-6d241ed0369b" providerId="ADAL" clId="{837A0EFE-727B-469C-A65E-5298C3FA34FC}" dt="2023-06-13T07:51:18.726" v="2901" actId="1076"/>
-          <ac:picMkLst>
-            <pc:docMk/>
-            <pc:sldMk cId="3791094185" sldId="316"/>
-            <ac:picMk id="9" creationId="{31CC4C12-3E8F-13B1-7D50-71E910CE4DC7}"/>
-          </ac:picMkLst>
-        </pc:picChg>
-      </pc:sldChg>
-      <pc:sldChg chg="new del">
-        <pc:chgData name="Sylvain Torrenti" userId="90f9519b-062b-4284-92c0-6d241ed0369b" providerId="ADAL" clId="{837A0EFE-727B-469C-A65E-5298C3FA34FC}" dt="2023-06-13T07:49:42.740" v="2859" actId="47"/>
-        <pc:sldMkLst>
-          <pc:docMk/>
-          <pc:sldMk cId="4066983989" sldId="317"/>
-        </pc:sldMkLst>
-      </pc:sldChg>
-    </pc:docChg>
-  </pc:docChgLst>
-</pc:chgInfo>
 </file>
 
 <file path=ppt/notesMasters/notesMaster1.xml><?xml version="1.0" encoding="utf-8"?>
@@ -2567,7 +260,7 @@
           <a:p>
             <a:fld id="{E0D90321-2C3F-4AF6-B762-32E89DF31627}" type="datetimeFigureOut">
               <a:rPr lang="en-GB" smtClean="0"/>
-              <a:t>13/06/2023</a:t>
+              <a:t>15/06/2023</a:t>
             </a:fld>
             <a:endParaRPr lang="en-GB"/>
           </a:p>
@@ -8548,7 +6241,7 @@
           <a:p>
             <a:fld id="{960BBD63-33EB-4877-8EAC-B91287317711}" type="datetime1">
               <a:rPr lang="en-GB" smtClean="0"/>
-              <a:t>13/06/2023</a:t>
+              <a:t>15/06/2023</a:t>
             </a:fld>
             <a:endParaRPr lang="en-GB"/>
           </a:p>
@@ -8767,7 +6460,7 @@
           <a:p>
             <a:fld id="{C287AB7E-C6FF-471B-85A1-A5C27330C23A}" type="datetime1">
               <a:rPr lang="en-GB" smtClean="0"/>
-              <a:t>13/06/2023</a:t>
+              <a:t>15/06/2023</a:t>
             </a:fld>
             <a:endParaRPr lang="en-GB"/>
           </a:p>
@@ -8986,7 +6679,7 @@
           <a:p>
             <a:fld id="{F1CD4164-3215-41C6-AF44-2D3F069E0207}" type="datetime1">
               <a:rPr lang="en-GB" smtClean="0"/>
-              <a:t>13/06/2023</a:t>
+              <a:t>15/06/2023</a:t>
             </a:fld>
             <a:endParaRPr lang="en-GB"/>
           </a:p>
@@ -9205,7 +6898,7 @@
           <a:p>
             <a:fld id="{E70E26D0-32BC-4332-8D83-BDD15EE3EF3C}" type="datetime1">
               <a:rPr lang="en-GB" smtClean="0"/>
-              <a:t>13/06/2023</a:t>
+              <a:t>15/06/2023</a:t>
             </a:fld>
             <a:endParaRPr lang="en-GB"/>
           </a:p>
@@ -9490,7 +7183,7 @@
           <a:p>
             <a:fld id="{51FA4ED4-F8E2-4BCD-B9E5-122C39FD763A}" type="datetime1">
               <a:rPr lang="en-GB" smtClean="0"/>
-              <a:t>13/06/2023</a:t>
+              <a:t>15/06/2023</a:t>
             </a:fld>
             <a:endParaRPr lang="en-GB"/>
           </a:p>
@@ -9775,7 +7468,7 @@
           <a:p>
             <a:fld id="{E1EB425A-1A3B-4908-B28E-E2F0B5742D22}" type="datetime1">
               <a:rPr lang="en-GB" smtClean="0"/>
-              <a:t>13/06/2023</a:t>
+              <a:t>15/06/2023</a:t>
             </a:fld>
             <a:endParaRPr lang="en-GB"/>
           </a:p>
@@ -10208,7 +7901,7 @@
           <a:p>
             <a:fld id="{560C624A-2055-4F7C-A4A8-0CA960627AC1}" type="datetime1">
               <a:rPr lang="en-GB" smtClean="0"/>
-              <a:t>13/06/2023</a:t>
+              <a:t>15/06/2023</a:t>
             </a:fld>
             <a:endParaRPr lang="en-GB"/>
           </a:p>
@@ -10361,7 +8054,7 @@
           <a:p>
             <a:fld id="{95246DA4-58B1-4838-8CB9-9C7A0E05DAE1}" type="datetime1">
               <a:rPr lang="en-GB" smtClean="0"/>
-              <a:t>13/06/2023</a:t>
+              <a:t>15/06/2023</a:t>
             </a:fld>
             <a:endParaRPr lang="en-GB"/>
           </a:p>
@@ -10477,7 +8170,7 @@
           <a:p>
             <a:fld id="{A36A9A56-3A76-4B35-A660-FC207778DF91}" type="datetime1">
               <a:rPr lang="en-GB" smtClean="0"/>
-              <a:t>13/06/2023</a:t>
+              <a:t>15/06/2023</a:t>
             </a:fld>
             <a:endParaRPr lang="en-GB"/>
           </a:p>
@@ -10802,7 +8495,7 @@
           <a:p>
             <a:fld id="{6B699C9A-B8FF-475D-85AD-6D751DF9F3BA}" type="datetime1">
               <a:rPr lang="en-GB" smtClean="0"/>
-              <a:t>13/06/2023</a:t>
+              <a:t>15/06/2023</a:t>
             </a:fld>
             <a:endParaRPr lang="en-GB"/>
           </a:p>
@@ -11103,7 +8796,7 @@
           <a:p>
             <a:fld id="{67C26DDE-D1E5-495D-A568-4855F1FCFDB4}" type="datetime1">
               <a:rPr lang="en-GB" smtClean="0"/>
-              <a:t>13/06/2023</a:t>
+              <a:t>15/06/2023</a:t>
             </a:fld>
             <a:endParaRPr lang="en-GB"/>
           </a:p>
@@ -11242,7 +8935,7 @@
           <a:p>
             <a:fld id="{10663374-1F58-467E-9230-6DF1E3BF971D}" type="datetime1">
               <a:rPr lang="en-GB" smtClean="0"/>
-              <a:t>13/06/2023</a:t>
+              <a:t>15/06/2023</a:t>
             </a:fld>
             <a:endParaRPr lang="en-GB"/>
           </a:p>
@@ -12203,7 +9896,7 @@
         </p:nvSpPr>
         <p:spPr>
           <a:xfrm>
-            <a:off x="1206735" y="3059668"/>
+            <a:off x="1206735" y="3966718"/>
             <a:ext cx="2831865" cy="369332"/>
           </a:xfrm>
           <a:prstGeom prst="rect">
@@ -12433,7 +10126,7 @@
         </p:nvSpPr>
         <p:spPr>
           <a:xfrm>
-            <a:off x="1206735" y="3059668"/>
+            <a:off x="538520" y="3059668"/>
             <a:ext cx="2842894" cy="369332"/>
           </a:xfrm>
           <a:prstGeom prst="rect">
@@ -13481,7 +11174,7 @@
         </p:nvSpPr>
         <p:spPr>
           <a:xfrm>
-            <a:off x="436529" y="2484898"/>
+            <a:off x="436529" y="3932242"/>
             <a:ext cx="2182905" cy="369332"/>
           </a:xfrm>
           <a:prstGeom prst="rect">
@@ -14193,7 +11886,7 @@
         </p:nvSpPr>
         <p:spPr>
           <a:xfrm>
-            <a:off x="525947" y="3428999"/>
+            <a:off x="373794" y="3752164"/>
             <a:ext cx="2487862" cy="646331"/>
           </a:xfrm>
           <a:prstGeom prst="rect">
@@ -14217,7 +11910,7 @@
             <a:pPr algn="ctr"/>
             <a:r>
               <a:rPr lang="fr-FR" dirty="0"/>
-              <a:t>Utilisateur non identifier</a:t>
+              <a:t>Utilisateur non identifié</a:t>
             </a:r>
             <a:endParaRPr lang="en-GB" dirty="0"/>
           </a:p>
@@ -14431,7 +12124,7 @@
         </p:nvSpPr>
         <p:spPr>
           <a:xfrm>
-            <a:off x="775214" y="3428999"/>
+            <a:off x="436529" y="3623538"/>
             <a:ext cx="1989327" cy="646331"/>
           </a:xfrm>
           <a:prstGeom prst="rect">
@@ -14705,8 +12398,8 @@
         </p:nvSpPr>
         <p:spPr>
           <a:xfrm>
-            <a:off x="943593" y="3428999"/>
-            <a:ext cx="1652568" cy="646331"/>
+            <a:off x="661623" y="3752163"/>
+            <a:ext cx="1732718" cy="646331"/>
           </a:xfrm>
           <a:prstGeom prst="rect">
             <a:avLst/>
@@ -14729,7 +12422,7 @@
             <a:pPr algn="ctr"/>
             <a:r>
               <a:rPr lang="fr-FR" dirty="0"/>
-              <a:t>créé un compte</a:t>
+              <a:t>créer un compte</a:t>
             </a:r>
             <a:endParaRPr lang="en-GB" dirty="0"/>
           </a:p>
@@ -15221,7 +12914,7 @@
         </p:nvSpPr>
         <p:spPr>
           <a:xfrm>
-            <a:off x="810128" y="3428999"/>
+            <a:off x="568232" y="3790314"/>
             <a:ext cx="1919500" cy="923330"/>
           </a:xfrm>
           <a:prstGeom prst="rect">
@@ -15245,14 +12938,14 @@
             <a:pPr algn="ctr"/>
             <a:r>
               <a:rPr lang="fr-FR" dirty="0"/>
-              <a:t>Liste des tickets</a:t>
+              <a:t>liste des tickets</a:t>
             </a:r>
           </a:p>
           <a:p>
             <a:pPr algn="ctr"/>
             <a:r>
               <a:rPr lang="fr-FR" dirty="0"/>
-              <a:t>Pour un utilisateur</a:t>
+              <a:t>pour un utilisateur</a:t>
             </a:r>
             <a:endParaRPr lang="en-GB" dirty="0"/>
           </a:p>
@@ -15502,8 +13195,8 @@
         </p:nvSpPr>
         <p:spPr>
           <a:xfrm>
-            <a:off x="810128" y="3428999"/>
-            <a:ext cx="1919500" cy="1200329"/>
+            <a:off x="564321" y="3501210"/>
+            <a:ext cx="1927322" cy="1200329"/>
           </a:xfrm>
           <a:prstGeom prst="rect">
             <a:avLst/>
@@ -15526,14 +13219,14 @@
             <a:pPr algn="ctr"/>
             <a:r>
               <a:rPr lang="fr-FR" dirty="0"/>
-              <a:t>Liste des tickets</a:t>
+              <a:t>liste des tickets</a:t>
             </a:r>
           </a:p>
           <a:p>
             <a:pPr algn="ctr"/>
             <a:r>
               <a:rPr lang="fr-FR" dirty="0"/>
-              <a:t>Pour un utilisateur</a:t>
+              <a:t>pour un utilisateur</a:t>
             </a:r>
           </a:p>
           <a:p>
@@ -15790,7 +13483,7 @@
         </p:nvSpPr>
         <p:spPr>
           <a:xfrm>
-            <a:off x="804389" y="3428999"/>
+            <a:off x="562493" y="3931414"/>
             <a:ext cx="1930977" cy="646331"/>
           </a:xfrm>
           <a:prstGeom prst="rect">
@@ -15814,7 +13507,7 @@
             <a:pPr algn="ctr"/>
             <a:r>
               <a:rPr lang="fr-FR" dirty="0"/>
-              <a:t>Création de tickets</a:t>
+              <a:t>création de tickets</a:t>
             </a:r>
             <a:endParaRPr lang="en-GB" dirty="0"/>
           </a:p>
@@ -16064,7 +13757,7 @@
         </p:nvSpPr>
         <p:spPr>
           <a:xfrm>
-            <a:off x="926475" y="3428999"/>
+            <a:off x="684578" y="3790380"/>
             <a:ext cx="1686808" cy="923330"/>
           </a:xfrm>
           <a:prstGeom prst="rect">
@@ -16088,14 +13781,14 @@
             <a:pPr algn="ctr"/>
             <a:r>
               <a:rPr lang="fr-FR" dirty="0"/>
-              <a:t>Details du ticket</a:t>
+              <a:t>détails du ticket</a:t>
             </a:r>
           </a:p>
           <a:p>
             <a:pPr algn="ctr"/>
             <a:r>
               <a:rPr lang="fr-FR" dirty="0"/>
-              <a:t>D’un utilisateur</a:t>
+              <a:t>d’un utilisateur</a:t>
             </a:r>
             <a:endParaRPr lang="en-GB" dirty="0"/>
           </a:p>
@@ -16345,7 +14038,7 @@
         </p:nvSpPr>
         <p:spPr>
           <a:xfrm>
-            <a:off x="926475" y="3428999"/>
+            <a:off x="2212561" y="3371217"/>
             <a:ext cx="1686808" cy="1200329"/>
           </a:xfrm>
           <a:prstGeom prst="rect">
@@ -16369,14 +14062,14 @@
             <a:pPr algn="ctr"/>
             <a:r>
               <a:rPr lang="fr-FR" dirty="0"/>
-              <a:t>Details du ticket</a:t>
+              <a:t>détails du ticket</a:t>
             </a:r>
           </a:p>
           <a:p>
             <a:pPr algn="ctr"/>
             <a:r>
               <a:rPr lang="fr-FR" dirty="0"/>
-              <a:t>D’un utilisateur</a:t>
+              <a:t>d’un utilisateur</a:t>
             </a:r>
           </a:p>
           <a:p>
@@ -16633,7 +14326,7 @@
         </p:nvSpPr>
         <p:spPr>
           <a:xfrm>
-            <a:off x="611070" y="3428999"/>
+            <a:off x="1897154" y="3789637"/>
             <a:ext cx="2317622" cy="646331"/>
           </a:xfrm>
           <a:prstGeom prst="rect">
@@ -16657,7 +14350,7 @@
             <a:pPr algn="ctr"/>
             <a:r>
               <a:rPr lang="fr-FR" dirty="0"/>
-              <a:t>Création des messages</a:t>
+              <a:t>création des messages</a:t>
             </a:r>
             <a:endParaRPr lang="en-GB" dirty="0"/>
           </a:p>
@@ -16907,7 +14600,7 @@
         </p:nvSpPr>
         <p:spPr>
           <a:xfrm>
-            <a:off x="1174335" y="3428999"/>
+            <a:off x="2460417" y="3934062"/>
             <a:ext cx="1191095" cy="646331"/>
           </a:xfrm>
           <a:prstGeom prst="rect">
@@ -17181,7 +14874,7 @@
         </p:nvSpPr>
         <p:spPr>
           <a:xfrm>
-            <a:off x="1174335" y="3428999"/>
+            <a:off x="1496435" y="3794989"/>
             <a:ext cx="1191095" cy="646331"/>
           </a:xfrm>
           <a:prstGeom prst="rect">
@@ -17661,7 +15354,7 @@
         </p:nvSpPr>
         <p:spPr>
           <a:xfrm>
-            <a:off x="1291933" y="3428999"/>
+            <a:off x="1418080" y="3535253"/>
             <a:ext cx="955903" cy="369332"/>
           </a:xfrm>
           <a:prstGeom prst="rect">
@@ -17895,7 +15588,11 @@
             </a:r>
           </a:p>
           <a:p>
-            <a:endParaRPr lang="fr-FR" dirty="0"/>
+            <a:endParaRPr lang="fr-FR" dirty="0">
+              <a:solidFill>
+                <a:srgbClr val="FF0000"/>
+              </a:solidFill>
+            </a:endParaRPr>
           </a:p>
           <a:p>
             <a:r>
@@ -17905,7 +15602,6 @@
             <a:r>
               <a:rPr lang="fr-FR" sz="1800" dirty="0">
                 <a:effectLst/>
-                <a:latin typeface="Times New Roman" panose="02020603050405020304" pitchFamily="18" charset="0"/>
                 <a:ea typeface="Calibri" panose="020F0502020204030204" pitchFamily="34" charset="0"/>
                 <a:cs typeface="Arial" panose="020B0604020202020204" pitchFamily="34" charset="0"/>
               </a:rPr>
@@ -17914,8 +15610,10 @@
           </a:p>
           <a:p>
             <a:endParaRPr lang="en-GB" sz="1800" dirty="0">
+              <a:solidFill>
+                <a:srgbClr val="FF0000"/>
+              </a:solidFill>
               <a:effectLst/>
-              <a:latin typeface="Calibri" panose="020F0502020204030204" pitchFamily="34" charset="0"/>
               <a:ea typeface="Calibri" panose="020F0502020204030204" pitchFamily="34" charset="0"/>
               <a:cs typeface="Arial" panose="020B0604020202020204" pitchFamily="34" charset="0"/>
             </a:endParaRPr>
@@ -17928,7 +15626,6 @@
             <a:r>
               <a:rPr lang="fr-FR" sz="1800" dirty="0">
                 <a:effectLst/>
-                <a:latin typeface="Times New Roman" panose="02020603050405020304" pitchFamily="18" charset="0"/>
                 <a:ea typeface="Calibri" panose="020F0502020204030204" pitchFamily="34" charset="0"/>
                 <a:cs typeface="Arial" panose="020B0604020202020204" pitchFamily="34" charset="0"/>
               </a:rPr>
@@ -17936,7 +15633,6 @@
             </a:r>
             <a:endParaRPr lang="en-GB" sz="1800" dirty="0">
               <a:effectLst/>
-              <a:latin typeface="Calibri" panose="020F0502020204030204" pitchFamily="34" charset="0"/>
               <a:ea typeface="Calibri" panose="020F0502020204030204" pitchFamily="34" charset="0"/>
               <a:cs typeface="Arial" panose="020B0604020202020204" pitchFamily="34" charset="0"/>
             </a:endParaRPr>
@@ -18154,7 +15850,7 @@
         </p:nvSpPr>
         <p:spPr>
           <a:xfrm>
-            <a:off x="1206783" y="3428999"/>
+            <a:off x="1444175" y="3994739"/>
             <a:ext cx="1126206" cy="646331"/>
           </a:xfrm>
           <a:prstGeom prst="rect">
@@ -18392,7 +16088,7 @@
         </p:nvSpPr>
         <p:spPr>
           <a:xfrm>
-            <a:off x="1261574" y="3428999"/>
+            <a:off x="1387720" y="3752163"/>
             <a:ext cx="1016624" cy="646331"/>
           </a:xfrm>
           <a:prstGeom prst="rect">
@@ -18630,7 +16326,7 @@
         </p:nvSpPr>
         <p:spPr>
           <a:xfrm>
-            <a:off x="1156578" y="3428999"/>
+            <a:off x="1282723" y="3611958"/>
             <a:ext cx="1226618" cy="1200329"/>
           </a:xfrm>
           <a:prstGeom prst="rect">
@@ -18661,7 +16357,19 @@
             <a:pPr algn="ctr"/>
             <a:r>
               <a:rPr lang="fr-FR" dirty="0"/>
-              <a:t>créé un </a:t>
+              <a:t>créer</a:t>
+            </a:r>
+            <a:r>
+              <a:rPr lang="fr-FR" dirty="0">
+                <a:solidFill>
+                  <a:srgbClr val="FF0000"/>
+                </a:solidFill>
+              </a:rPr>
+              <a:t> </a:t>
+            </a:r>
+            <a:r>
+              <a:rPr lang="fr-FR" dirty="0"/>
+              <a:t>un </a:t>
             </a:r>
           </a:p>
           <a:p>
@@ -18881,7 +16589,7 @@
         </p:nvSpPr>
         <p:spPr>
           <a:xfrm>
-            <a:off x="1054627" y="3428999"/>
+            <a:off x="1180772" y="3890664"/>
             <a:ext cx="1430520" cy="923330"/>
           </a:xfrm>
           <a:prstGeom prst="rect">
@@ -19125,7 +16833,7 @@
         </p:nvSpPr>
         <p:spPr>
           <a:xfrm>
-            <a:off x="1127724" y="3428999"/>
+            <a:off x="1253869" y="3758101"/>
             <a:ext cx="1284326" cy="923330"/>
           </a:xfrm>
           <a:prstGeom prst="rect">
@@ -19615,7 +17323,7 @@
         </p:nvSpPr>
         <p:spPr>
           <a:xfrm>
-            <a:off x="1291937" y="3428999"/>
+            <a:off x="927497" y="4114100"/>
             <a:ext cx="955903" cy="369332"/>
           </a:xfrm>
           <a:prstGeom prst="rect">
@@ -19845,7 +17553,7 @@
         </p:nvSpPr>
         <p:spPr>
           <a:xfrm>
-            <a:off x="1206786" y="3428999"/>
+            <a:off x="1039732" y="3994739"/>
             <a:ext cx="1126206" cy="646331"/>
           </a:xfrm>
           <a:prstGeom prst="rect">
@@ -20082,7 +17790,7 @@
         </p:nvSpPr>
         <p:spPr>
           <a:xfrm>
-            <a:off x="1288026" y="3428999"/>
+            <a:off x="1156141" y="3823455"/>
             <a:ext cx="963725" cy="646331"/>
           </a:xfrm>
           <a:prstGeom prst="rect">
@@ -20319,7 +18027,7 @@
         </p:nvSpPr>
         <p:spPr>
           <a:xfrm>
-            <a:off x="1183030" y="3428999"/>
+            <a:off x="928053" y="3887669"/>
             <a:ext cx="1173718" cy="646331"/>
           </a:xfrm>
           <a:prstGeom prst="rect">
@@ -21037,7 +18745,7 @@
         </p:nvSpPr>
         <p:spPr>
           <a:xfrm>
-            <a:off x="1291939" y="3428999"/>
+            <a:off x="927497" y="3351061"/>
             <a:ext cx="955903" cy="369332"/>
           </a:xfrm>
           <a:prstGeom prst="rect">
@@ -21267,7 +18975,7 @@
         </p:nvSpPr>
         <p:spPr>
           <a:xfrm>
-            <a:off x="1206788" y="3428999"/>
+            <a:off x="842346" y="3428997"/>
             <a:ext cx="1126206" cy="646331"/>
           </a:xfrm>
           <a:prstGeom prst="rect">
@@ -21504,7 +19212,7 @@
         </p:nvSpPr>
         <p:spPr>
           <a:xfrm>
-            <a:off x="1288028" y="3428999"/>
+            <a:off x="923586" y="3429000"/>
             <a:ext cx="963725" cy="646331"/>
           </a:xfrm>
           <a:prstGeom prst="rect">
@@ -21741,7 +19449,7 @@
         </p:nvSpPr>
         <p:spPr>
           <a:xfrm>
-            <a:off x="1183031" y="3428999"/>
+            <a:off x="541192" y="3976981"/>
             <a:ext cx="1173718" cy="646331"/>
           </a:xfrm>
           <a:prstGeom prst="rect">
@@ -22228,7 +19936,7 @@
         </p:nvSpPr>
         <p:spPr>
           <a:xfrm>
-            <a:off x="1291939" y="3428999"/>
+            <a:off x="843379" y="3464169"/>
             <a:ext cx="955903" cy="369332"/>
           </a:xfrm>
           <a:prstGeom prst="rect">
@@ -22458,7 +20166,7 @@
         </p:nvSpPr>
         <p:spPr>
           <a:xfrm>
-            <a:off x="1206788" y="3428999"/>
+            <a:off x="842346" y="3986766"/>
             <a:ext cx="1126206" cy="646331"/>
           </a:xfrm>
           <a:prstGeom prst="rect">
@@ -22695,7 +20403,7 @@
         </p:nvSpPr>
         <p:spPr>
           <a:xfrm>
-            <a:off x="1288028" y="3428999"/>
+            <a:off x="702724" y="3512575"/>
             <a:ext cx="963725" cy="646331"/>
           </a:xfrm>
           <a:prstGeom prst="rect">
@@ -22932,7 +20640,7 @@
         </p:nvSpPr>
         <p:spPr>
           <a:xfrm>
-            <a:off x="1155941" y="3428999"/>
+            <a:off x="971303" y="3856240"/>
             <a:ext cx="1227901" cy="923330"/>
           </a:xfrm>
           <a:prstGeom prst="rect">
@@ -22956,7 +20664,7 @@
             <a:pPr algn="ctr"/>
             <a:r>
               <a:rPr lang="fr-FR" dirty="0"/>
-              <a:t>Vue</a:t>
+              <a:t>vue</a:t>
             </a:r>
           </a:p>
           <a:p>
@@ -23449,7 +21157,7 @@
         </p:nvSpPr>
         <p:spPr>
           <a:xfrm>
-            <a:off x="914883" y="3428999"/>
+            <a:off x="702724" y="3856240"/>
             <a:ext cx="1710020" cy="923330"/>
           </a:xfrm>
           <a:prstGeom prst="rect">
@@ -23473,7 +21181,7 @@
             <a:pPr algn="ctr"/>
             <a:r>
               <a:rPr lang="fr-FR" dirty="0"/>
-              <a:t>Vue</a:t>
+              <a:t>vue</a:t>
             </a:r>
           </a:p>
           <a:p>
@@ -24937,6 +22645,78 @@
           </a:prstGeom>
         </p:spPr>
       </p:pic>
+      <p:sp>
+        <p:nvSpPr>
+          <p:cNvPr id="6" name="ZoneTexte 5">
+            <a:extLst>
+              <a:ext uri="{FF2B5EF4-FFF2-40B4-BE49-F238E27FC236}">
+                <a16:creationId xmlns:a16="http://schemas.microsoft.com/office/drawing/2014/main" id="{668F6B63-01D3-E261-EB53-D85EE40E720C}"/>
+              </a:ext>
+            </a:extLst>
+          </p:cNvPr>
+          <p:cNvSpPr txBox="1"/>
+          <p:nvPr/>
+        </p:nvSpPr>
+        <p:spPr>
+          <a:xfrm>
+            <a:off x="1473480" y="3244334"/>
+            <a:ext cx="2318648" cy="369332"/>
+          </a:xfrm>
+          <a:prstGeom prst="rect">
+            <a:avLst/>
+          </a:prstGeom>
+          <a:noFill/>
+        </p:spPr>
+        <p:txBody>
+          <a:bodyPr wrap="none" rtlCol="0">
+            <a:spAutoFit/>
+          </a:bodyPr>
+          <a:lstStyle/>
+          <a:p>
+            <a:r>
+              <a:rPr lang="fr-FR" dirty="0"/>
+              <a:t>Meilleure vision future</a:t>
+            </a:r>
+            <a:endParaRPr lang="en-GB" dirty="0"/>
+          </a:p>
+        </p:txBody>
+      </p:sp>
+      <p:sp>
+        <p:nvSpPr>
+          <p:cNvPr id="7" name="ZoneTexte 6">
+            <a:extLst>
+              <a:ext uri="{FF2B5EF4-FFF2-40B4-BE49-F238E27FC236}">
+                <a16:creationId xmlns:a16="http://schemas.microsoft.com/office/drawing/2014/main" id="{54423B11-925B-4186-F786-17E30099B5A6}"/>
+              </a:ext>
+            </a:extLst>
+          </p:cNvPr>
+          <p:cNvSpPr txBox="1"/>
+          <p:nvPr/>
+        </p:nvSpPr>
+        <p:spPr>
+          <a:xfrm>
+            <a:off x="1415772" y="4340272"/>
+            <a:ext cx="1687963" cy="369332"/>
+          </a:xfrm>
+          <a:prstGeom prst="rect">
+            <a:avLst/>
+          </a:prstGeom>
+          <a:noFill/>
+        </p:spPr>
+        <p:txBody>
+          <a:bodyPr wrap="none" rtlCol="0">
+            <a:spAutoFit/>
+          </a:bodyPr>
+          <a:lstStyle/>
+          <a:p>
+            <a:r>
+              <a:rPr lang="fr-FR" dirty="0"/>
+              <a:t>Base consolidée</a:t>
+            </a:r>
+            <a:endParaRPr lang="en-GB" dirty="0"/>
+          </a:p>
+        </p:txBody>
+      </p:sp>
     </p:spTree>
     <p:extLst>
       <p:ext uri="{BB962C8B-B14F-4D97-AF65-F5344CB8AC3E}">
